--- a/poster.pptx
+++ b/poster.pptx
@@ -259,7 +259,7 @@
               <a:pPr>
                 <a:defRPr/>
               </a:pPr>
-              <a:t>12/7/2019</a:t>
+              <a:t>12/8/2019</a:t>
             </a:fld>
             <a:endParaRPr lang="en-US"/>
           </a:p>
@@ -836,7 +836,7 @@
               <a:pPr>
                 <a:defRPr/>
               </a:pPr>
-              <a:t>12/7/2019</a:t>
+              <a:t>12/8/2019</a:t>
             </a:fld>
             <a:endParaRPr lang="en-US"/>
           </a:p>
@@ -1071,7 +1071,7 @@
               <a:pPr>
                 <a:defRPr/>
               </a:pPr>
-              <a:t>12/7/2019</a:t>
+              <a:t>12/8/2019</a:t>
             </a:fld>
             <a:endParaRPr lang="en-US"/>
           </a:p>
@@ -1481,7 +1481,7 @@
               <a:pPr>
                 <a:defRPr/>
               </a:pPr>
-              <a:t>12/7/2019</a:t>
+              <a:t>12/8/2019</a:t>
             </a:fld>
             <a:endParaRPr lang="en-US"/>
           </a:p>
@@ -1831,7 +1831,7 @@
               <a:pPr>
                 <a:defRPr/>
               </a:pPr>
-              <a:t>12/7/2019</a:t>
+              <a:t>12/8/2019</a:t>
             </a:fld>
             <a:endParaRPr lang="en-US"/>
           </a:p>
@@ -2321,7 +2321,7 @@
               <a:pPr>
                 <a:defRPr/>
               </a:pPr>
-              <a:t>12/7/2019</a:t>
+              <a:t>12/8/2019</a:t>
             </a:fld>
             <a:endParaRPr lang="en-US"/>
           </a:p>
@@ -2497,7 +2497,7 @@
               <a:pPr>
                 <a:defRPr/>
               </a:pPr>
-              <a:t>12/7/2019</a:t>
+              <a:t>12/8/2019</a:t>
             </a:fld>
             <a:endParaRPr lang="en-US"/>
           </a:p>
@@ -2643,7 +2643,7 @@
               <a:pPr>
                 <a:defRPr/>
               </a:pPr>
-              <a:t>12/7/2019</a:t>
+              <a:t>12/8/2019</a:t>
             </a:fld>
             <a:endParaRPr lang="en-US"/>
           </a:p>
@@ -2978,7 +2978,7 @@
               <a:pPr>
                 <a:defRPr/>
               </a:pPr>
-              <a:t>12/7/2019</a:t>
+              <a:t>12/8/2019</a:t>
             </a:fld>
             <a:endParaRPr lang="en-US"/>
           </a:p>
@@ -3296,7 +3296,7 @@
               <a:pPr>
                 <a:defRPr/>
               </a:pPr>
-              <a:t>12/7/2019</a:t>
+              <a:t>12/8/2019</a:t>
             </a:fld>
             <a:endParaRPr lang="en-US"/>
           </a:p>
@@ -3873,14 +3873,14 @@
           </a:ln>
           <a:extLst>
             <a:ext uri="{909E8E84-426E-40dd-AFC4-6F175D3DCCD1}">
-              <a14:hiddenFill xmlns:a14="http://schemas.microsoft.com/office/drawing/2010/main" xmlns="">
+              <a14:hiddenFill xmlns="" xmlns:a14="http://schemas.microsoft.com/office/drawing/2010/main">
                 <a:solidFill>
                   <a:srgbClr val="FFFFFF"/>
                 </a:solidFill>
               </a14:hiddenFill>
             </a:ext>
             <a:ext uri="{91240B29-F687-4f45-9708-019B960494DF}">
-              <a14:hiddenLine xmlns:a14="http://schemas.microsoft.com/office/drawing/2010/main" xmlns="" w="9525">
+              <a14:hiddenLine xmlns="" xmlns:a14="http://schemas.microsoft.com/office/drawing/2010/main" w="9525">
                 <a:solidFill>
                   <a:srgbClr val="000000"/>
                 </a:solidFill>
@@ -3954,14 +3954,14 @@
           </a:ln>
           <a:extLst>
             <a:ext uri="{909E8E84-426E-40dd-AFC4-6F175D3DCCD1}">
-              <a14:hiddenFill xmlns:a14="http://schemas.microsoft.com/office/drawing/2010/main" xmlns="">
+              <a14:hiddenFill xmlns="" xmlns:a14="http://schemas.microsoft.com/office/drawing/2010/main">
                 <a:solidFill>
                   <a:srgbClr val="FFFFFF"/>
                 </a:solidFill>
               </a14:hiddenFill>
             </a:ext>
             <a:ext uri="{91240B29-F687-4f45-9708-019B960494DF}">
-              <a14:hiddenLine xmlns:a14="http://schemas.microsoft.com/office/drawing/2010/main" xmlns="" w="9525">
+              <a14:hiddenLine xmlns="" xmlns:a14="http://schemas.microsoft.com/office/drawing/2010/main" w="9525">
                 <a:solidFill>
                   <a:srgbClr val="000000"/>
                 </a:solidFill>
@@ -4093,7 +4093,7 @@
                 </a:solidFill>
                 <a:latin typeface="Arial Black" charset="0"/>
               </a:rPr>
-              <a:t>Sound Source Localization, Separation, and Tracking of Two Moving Agents with Two Microphones</a:t>
+              <a:t>Sound Source Separation, Localization, and Tracking of Two Moving Agents with Two Microphones</a:t>
             </a:r>
           </a:p>
         </p:txBody>
@@ -4108,8 +4108,8 @@
         </p:nvSpPr>
         <p:spPr bwMode="auto">
           <a:xfrm>
-            <a:off x="294738" y="4343400"/>
-            <a:ext cx="18679062" cy="2514600"/>
+            <a:off x="381000" y="4343400"/>
+            <a:ext cx="9077863" cy="6629400"/>
           </a:xfrm>
           <a:prstGeom prst="rect">
             <a:avLst/>
@@ -4122,7 +4122,7 @@
           </a:ln>
           <a:extLst>
             <a:ext uri="{91240B29-F687-4f45-9708-019B960494DF}">
-              <a14:hiddenLine xmlns:a14="http://schemas.microsoft.com/office/drawing/2010/main" xmlns="" w="9525">
+              <a14:hiddenLine xmlns="" xmlns:a14="http://schemas.microsoft.com/office/drawing/2010/main" w="9525">
                 <a:solidFill>
                   <a:srgbClr val="000000"/>
                 </a:solidFill>
@@ -4143,12 +4143,12 @@
               </a:spcBef>
             </a:pPr>
             <a:r>
-              <a:rPr lang="en-GB" sz="1833" b="1" u="sng" dirty="0">
+              <a:rPr lang="en-GB" sz="2400" b="1" u="sng" dirty="0">
                 <a:solidFill>
                   <a:schemeClr val="tx2"/>
                 </a:solidFill>
               </a:rPr>
-              <a:t>Problem State</a:t>
+              <a:t>Problem Statement</a:t>
             </a:r>
           </a:p>
           <a:p>
@@ -4160,146 +4160,11 @@
           </a:p>
           <a:p>
             <a:r>
-              <a:rPr lang="en-US" sz="1283" dirty="0">
+              <a:rPr lang="en-US" sz="1800" dirty="0">
                 <a:latin typeface="Georgia" charset="0"/>
                 <a:cs typeface="Georgia" charset="0"/>
               </a:rPr>
-              <a:t>This editable template is in the most common poster size (48</a:t>
-            </a:r>
-            <a:r>
-              <a:rPr lang="ja-JP" altLang="en-US" sz="1283" dirty="0">
-                <a:latin typeface="Georgia" charset="0"/>
-                <a:cs typeface="Georgia" charset="0"/>
-              </a:rPr>
-              <a:t>”</a:t>
-            </a:r>
-            <a:r>
-              <a:rPr lang="en-US" altLang="ja-JP" sz="1283" dirty="0">
-                <a:latin typeface="Georgia" charset="0"/>
-                <a:cs typeface="Georgia" charset="0"/>
-              </a:rPr>
-              <a:t> x 36</a:t>
-            </a:r>
-            <a:r>
-              <a:rPr lang="ja-JP" altLang="en-US" sz="1283" dirty="0">
-                <a:latin typeface="Georgia" charset="0"/>
-                <a:cs typeface="Georgia" charset="0"/>
-              </a:rPr>
-              <a:t>”</a:t>
-            </a:r>
-            <a:r>
-              <a:rPr lang="en-US" altLang="ja-JP" sz="1283" dirty="0">
-                <a:latin typeface="Georgia" charset="0"/>
-                <a:cs typeface="Georgia" charset="0"/>
-              </a:rPr>
-              <a:t>) and orientation (horizontal); check with the conference organizers for specific conference requirements regarding exact poster dimensions. </a:t>
-            </a:r>
-          </a:p>
-          <a:p>
-            <a:r>
-              <a:rPr lang="en-US" sz="1283" dirty="0">
-                <a:latin typeface="Georgia" charset="0"/>
-                <a:cs typeface="Georgia" charset="0"/>
-              </a:rPr>
-              <a:t> </a:t>
-            </a:r>
-          </a:p>
-          <a:p>
-            <a:r>
-              <a:rPr lang="en-US" sz="1283" b="1" dirty="0">
-                <a:latin typeface="Georgia" charset="0"/>
-                <a:cs typeface="Georgia" charset="0"/>
-              </a:rPr>
-              <a:t>Writing Style:</a:t>
-            </a:r>
-            <a:endParaRPr lang="en-US" sz="1283" dirty="0">
-              <a:latin typeface="Georgia" charset="0"/>
-              <a:cs typeface="Georgia" charset="0"/>
-            </a:endParaRPr>
-          </a:p>
-          <a:p>
-            <a:r>
-              <a:rPr lang="en-US" sz="1283" dirty="0">
-                <a:latin typeface="Georgia" charset="0"/>
-                <a:cs typeface="Georgia" charset="0"/>
-              </a:rPr>
-              <a:t>The writing style for scientific posters should match the guidelines for your particular research discipline. Use the campus </a:t>
-            </a:r>
-            <a:r>
-              <a:rPr lang="en-US" sz="1283" dirty="0">
-                <a:latin typeface="Georgia" charset="0"/>
-                <a:cs typeface="Georgia" charset="0"/>
-                <a:hlinkClick r:id="rId2" action="ppaction://hlinkfile"/>
-              </a:rPr>
-              <a:t>Writing Style Guide</a:t>
-            </a:r>
-            <a:r>
-              <a:rPr lang="en-US" sz="1283" dirty="0">
-                <a:latin typeface="Georgia" charset="0"/>
-                <a:cs typeface="Georgia" charset="0"/>
-              </a:rPr>
-              <a:t> for general guidance with academic titles, names of campus buildings, the correct way to refer to the campus, etc.</a:t>
-            </a:r>
-          </a:p>
-          <a:p>
-            <a:r>
-              <a:rPr lang="en-US" sz="1283" dirty="0">
-                <a:latin typeface="Georgia" charset="0"/>
-                <a:cs typeface="Georgia" charset="0"/>
-              </a:rPr>
-              <a:t> </a:t>
-            </a:r>
-          </a:p>
-          <a:p>
-            <a:r>
-              <a:rPr lang="en-US" sz="1283" b="1" dirty="0">
-                <a:latin typeface="Georgia" charset="0"/>
-                <a:cs typeface="Georgia" charset="0"/>
-              </a:rPr>
-              <a:t>Campus Guidelines</a:t>
-            </a:r>
-            <a:endParaRPr lang="en-US" sz="1283" dirty="0">
-              <a:latin typeface="Georgia" charset="0"/>
-              <a:cs typeface="Georgia" charset="0"/>
-            </a:endParaRPr>
-          </a:p>
-          <a:p>
-            <a:r>
-              <a:rPr lang="en-US" sz="1283" dirty="0">
-                <a:latin typeface="Georgia" charset="0"/>
-                <a:cs typeface="Georgia" charset="0"/>
-              </a:rPr>
-              <a:t>Authors should be aware of and follow the guidelines of the </a:t>
-            </a:r>
-            <a:r>
-              <a:rPr lang="en-US" sz="1283" dirty="0">
-                <a:latin typeface="Georgia" charset="0"/>
-                <a:cs typeface="Georgia" charset="0"/>
-                <a:hlinkClick r:id="rId3"/>
-              </a:rPr>
-              <a:t>Institutional Review Board</a:t>
-            </a:r>
-            <a:r>
-              <a:rPr lang="en-US" sz="1283" dirty="0">
-                <a:latin typeface="Georgia" charset="0"/>
-                <a:cs typeface="Georgia" charset="0"/>
-              </a:rPr>
-              <a:t> and the </a:t>
-            </a:r>
-            <a:r>
-              <a:rPr lang="en-US" sz="1283" dirty="0">
-                <a:latin typeface="Georgia" charset="0"/>
-                <a:cs typeface="Georgia" charset="0"/>
-                <a:hlinkClick r:id="rId4"/>
-              </a:rPr>
-              <a:t>guidelines for campus copyright</a:t>
-            </a:r>
-            <a:r>
-              <a:rPr lang="en-US" sz="1283" dirty="0">
-                <a:latin typeface="Georgia" charset="0"/>
-                <a:cs typeface="Georgia" charset="0"/>
-              </a:rPr>
-              <a:t>.</a:t>
+              <a:t>We would like to track the position of two moving- and talking- people using a pair of microphones in an indoor environment. </a:t>
             </a:r>
           </a:p>
         </p:txBody>
@@ -4314,8 +4179,8 @@
         </p:nvSpPr>
         <p:spPr bwMode="auto">
           <a:xfrm>
-            <a:off x="691139" y="9425868"/>
-            <a:ext cx="4505325" cy="12258675"/>
+            <a:off x="381000" y="11287125"/>
+            <a:ext cx="9077863" cy="19116675"/>
           </a:xfrm>
           <a:prstGeom prst="rect">
             <a:avLst/>
@@ -4328,7 +4193,7 @@
           </a:ln>
           <a:extLst>
             <a:ext uri="{91240B29-F687-4f45-9708-019B960494DF}">
-              <a14:hiddenLine xmlns:a14="http://schemas.microsoft.com/office/drawing/2010/main" xmlns="" w="9525">
+              <a14:hiddenLine xmlns="" xmlns:a14="http://schemas.microsoft.com/office/drawing/2010/main" w="9525">
                 <a:solidFill>
                   <a:srgbClr val="000000"/>
                 </a:solidFill>
@@ -4349,14 +4214,14 @@
               </a:spcBef>
             </a:pPr>
             <a:r>
-              <a:rPr lang="en-GB" sz="1833" b="1" u="sng">
+              <a:rPr lang="en-GB" sz="2400" b="1" u="sng" dirty="0">
                 <a:solidFill>
                   <a:schemeClr val="tx2"/>
                 </a:solidFill>
               </a:rPr>
-              <a:t>METHOD</a:t>
-            </a:r>
-            <a:endParaRPr lang="en-GB" sz="1833" b="1">
+              <a:t>Method</a:t>
+            </a:r>
+            <a:endParaRPr lang="en-GB" sz="2400" b="1" dirty="0">
               <a:solidFill>
                 <a:srgbClr val="CC3300"/>
               </a:solidFill>
@@ -4364,137 +4229,379 @@
           </a:p>
           <a:p>
             <a:pPr marL="174612" indent="-174612"/>
-            <a:endParaRPr lang="en-US" sz="1283" b="1"/>
+            <a:endParaRPr lang="en-US" sz="1283" b="1" dirty="0"/>
           </a:p>
           <a:p>
             <a:pPr marL="174612" indent="-174612"/>
             <a:r>
-              <a:rPr lang="en-US" sz="1283" b="1">
+              <a:rPr lang="en-US" sz="1800" dirty="0">
                 <a:latin typeface="Georgia" charset="0"/>
-                <a:cs typeface="Georgia" charset="0"/>
               </a:rPr>
-              <a:t>Text</a:t>
-            </a:r>
-            <a:endParaRPr lang="en-US" sz="1283">
+              <a:t>The overview of our method is shown in Figure 2. The localization is performed at 20Hz, using the last 0.05s of data.</a:t>
+            </a:r>
+          </a:p>
+          <a:p>
+            <a:pPr marL="174612" indent="-174612"/>
+            <a:endParaRPr lang="en-US" sz="1800" dirty="0">
               <a:latin typeface="Georgia" charset="0"/>
-              <a:cs typeface="Georgia" charset="0"/>
             </a:endParaRPr>
           </a:p>
           <a:p>
             <a:pPr marL="174612" indent="-174612"/>
-            <a:r>
-              <a:rPr lang="en-US" sz="1283">
+            <a:endParaRPr lang="en-US" sz="1800" dirty="0">
+              <a:latin typeface="Georgia" charset="0"/>
+            </a:endParaRPr>
+          </a:p>
+          <a:p>
+            <a:pPr marL="174612" indent="-174612"/>
+            <a:endParaRPr lang="en-US" sz="1800" dirty="0">
+              <a:latin typeface="Georgia" charset="0"/>
+            </a:endParaRPr>
+          </a:p>
+          <a:p>
+            <a:pPr marL="174612" indent="-174612"/>
+            <a:endParaRPr lang="en-US" sz="1800" dirty="0">
+              <a:latin typeface="Georgia" charset="0"/>
+            </a:endParaRPr>
+          </a:p>
+          <a:p>
+            <a:pPr marL="174612" indent="-174612"/>
+            <a:endParaRPr lang="en-US" sz="1800" dirty="0">
+              <a:latin typeface="Georgia" charset="0"/>
+            </a:endParaRPr>
+          </a:p>
+          <a:p>
+            <a:pPr marL="174612" indent="-174612"/>
+            <a:endParaRPr lang="en-US" sz="1800" dirty="0">
+              <a:latin typeface="Georgia" charset="0"/>
+            </a:endParaRPr>
+          </a:p>
+          <a:p>
+            <a:pPr marL="174612" indent="-174612"/>
+            <a:endParaRPr lang="en-US" sz="1800" dirty="0">
+              <a:latin typeface="Georgia" charset="0"/>
+            </a:endParaRPr>
+          </a:p>
+          <a:p>
+            <a:pPr marL="174612" indent="-174612"/>
+            <a:endParaRPr lang="en-US" sz="1800" dirty="0">
+              <a:latin typeface="Georgia" charset="0"/>
+            </a:endParaRPr>
+          </a:p>
+          <a:p>
+            <a:pPr marL="174612" indent="-174612"/>
+            <a:endParaRPr lang="en-US" sz="1800" dirty="0">
+              <a:latin typeface="Georgia" charset="0"/>
+            </a:endParaRPr>
+          </a:p>
+          <a:p>
+            <a:pPr marL="174612" indent="-174612"/>
+            <a:endParaRPr lang="en-US" sz="1800" dirty="0">
+              <a:latin typeface="Georgia" charset="0"/>
+            </a:endParaRPr>
+          </a:p>
+          <a:p>
+            <a:pPr marL="174612" indent="-174612"/>
+            <a:endParaRPr lang="en-US" sz="1800" dirty="0">
+              <a:latin typeface="Georgia" charset="0"/>
+            </a:endParaRPr>
+          </a:p>
+          <a:p>
+            <a:pPr marL="174612" indent="-174612"/>
+            <a:endParaRPr lang="en-US" sz="1800" dirty="0">
+              <a:latin typeface="Georgia" charset="0"/>
+            </a:endParaRPr>
+          </a:p>
+          <a:p>
+            <a:pPr marL="174612" indent="-174612"/>
+            <a:endParaRPr lang="en-US" sz="1800" dirty="0">
+              <a:latin typeface="Georgia" charset="0"/>
+            </a:endParaRPr>
+          </a:p>
+          <a:p>
+            <a:pPr marL="174612" indent="-174612"/>
+            <a:endParaRPr lang="en-US" sz="1800" dirty="0">
+              <a:latin typeface="Georgia" charset="0"/>
+            </a:endParaRPr>
+          </a:p>
+          <a:p>
+            <a:pPr marL="174612" indent="-174612"/>
+            <a:endParaRPr lang="en-US" sz="1800" dirty="0">
+              <a:latin typeface="Georgia" charset="0"/>
+            </a:endParaRPr>
+          </a:p>
+          <a:p>
+            <a:pPr marL="174612" indent="-174612"/>
+            <a:endParaRPr lang="en-US" sz="1800" dirty="0">
+              <a:latin typeface="Georgia" charset="0"/>
+            </a:endParaRPr>
+          </a:p>
+          <a:p>
+            <a:pPr marL="174612" indent="-174612"/>
+            <a:endParaRPr lang="en-US" sz="1800" dirty="0">
+              <a:latin typeface="Georgia" charset="0"/>
+            </a:endParaRPr>
+          </a:p>
+          <a:p>
+            <a:pPr marL="174612" indent="-174612"/>
+            <a:endParaRPr lang="en-US" sz="1800" dirty="0">
+              <a:latin typeface="Georgia" charset="0"/>
+            </a:endParaRPr>
+          </a:p>
+          <a:p>
+            <a:pPr marL="174612" indent="-174612"/>
+            <a:endParaRPr lang="en-US" sz="1800" dirty="0">
+              <a:latin typeface="Georgia" charset="0"/>
+            </a:endParaRPr>
+          </a:p>
+          <a:p>
+            <a:pPr marL="174612" indent="-174612"/>
+            <a:endParaRPr lang="en-US" sz="1800" dirty="0">
+              <a:latin typeface="Georgia" charset="0"/>
+            </a:endParaRPr>
+          </a:p>
+          <a:p>
+            <a:pPr marL="174612" indent="-174612"/>
+            <a:r>
+              <a:rPr lang="en-US" sz="2000" u="sng" dirty="0">
                 <a:latin typeface="Georgia" charset="0"/>
-                <a:cs typeface="Georgia" charset="0"/>
               </a:rPr>
-              <a:t>Be sure to spell check all text and have trusted colleagues proofread the poster. In general, </a:t>
-            </a:r>
-            <a:br>
-              <a:rPr lang="en-US" sz="1283">
+              <a:t>Simulator</a:t>
+            </a:r>
+          </a:p>
+          <a:p>
+            <a:pPr marL="285750" indent="-285750">
+              <a:buFont typeface="Arial" panose="020B0604020202020204" pitchFamily="34" charset="0"/>
+              <a:buChar char="•"/>
+            </a:pPr>
+            <a:r>
+              <a:rPr lang="en-US" sz="1800" dirty="0">
                 <a:latin typeface="Georgia" charset="0"/>
-                <a:cs typeface="Georgia" charset="0"/>
               </a:rPr>
-            </a:br>
-            <a:r>
-              <a:rPr lang="en-US" sz="1283">
+              <a:t>The setup of our simulator resembles that in Figure 1.</a:t>
+            </a:r>
+          </a:p>
+          <a:p>
+            <a:pPr marL="285750" indent="-285750">
+              <a:buFont typeface="Arial" panose="020B0604020202020204" pitchFamily="34" charset="0"/>
+              <a:buChar char="•"/>
+            </a:pPr>
+            <a:r>
+              <a:rPr lang="en-US" sz="1800" dirty="0">
                 <a:latin typeface="Georgia" charset="0"/>
-                <a:cs typeface="Georgia" charset="0"/>
               </a:rPr>
-              <a:t>authors should:</a:t>
-            </a:r>
-          </a:p>
-          <a:p>
-            <a:pPr marL="174612" indent="-174612"/>
-            <a:r>
-              <a:rPr lang="en-US" sz="1283">
+              <a:t>Agents move at periodic patterns continuously  and pre-recorded sounds are used.</a:t>
+            </a:r>
+          </a:p>
+          <a:p>
+            <a:pPr marL="285750" indent="-285750">
+              <a:buFont typeface="Arial" panose="020B0604020202020204" pitchFamily="34" charset="0"/>
+              <a:buChar char="•"/>
+            </a:pPr>
+            <a:r>
+              <a:rPr lang="en-US" sz="1800" dirty="0">
                 <a:latin typeface="Georgia" charset="0"/>
-                <a:cs typeface="Georgia" charset="0"/>
               </a:rPr>
-              <a:t> </a:t>
-            </a:r>
-          </a:p>
-          <a:p>
-            <a:pPr marL="174612" indent="-174612"/>
-            <a:r>
-              <a:rPr lang="en-US" sz="1283">
+              <a:t>Sound magnitude diminishing and delay are simulated. (Reverberation not implemented yet.)</a:t>
+            </a:r>
+          </a:p>
+          <a:p>
+            <a:pPr marL="285750" indent="-285750">
+              <a:buFont typeface="Arial" panose="020B0604020202020204" pitchFamily="34" charset="0"/>
+              <a:buChar char="•"/>
+            </a:pPr>
+            <a:endParaRPr lang="en-US" sz="1800" dirty="0">
+              <a:latin typeface="Georgia" charset="0"/>
+            </a:endParaRPr>
+          </a:p>
+          <a:p>
+            <a:r>
+              <a:rPr lang="en-US" sz="2000" u="sng" dirty="0">
                 <a:latin typeface="Georgia" charset="0"/>
-                <a:cs typeface="Georgia" charset="0"/>
               </a:rPr>
-              <a:t>• Use the active tense</a:t>
-            </a:r>
-          </a:p>
-          <a:p>
-            <a:pPr marL="174612" indent="-174612"/>
-            <a:r>
-              <a:rPr lang="en-US" sz="1283">
+              <a:t>Convolutive Signal Separation</a:t>
+            </a:r>
+            <a:endParaRPr lang="en-US" sz="1800" dirty="0">
+              <a:latin typeface="Georgia" charset="0"/>
+            </a:endParaRPr>
+          </a:p>
+          <a:p>
+            <a:pPr marL="285750" indent="-285750">
+              <a:buFont typeface="Arial" panose="020B0604020202020204" pitchFamily="34" charset="0"/>
+              <a:buChar char="•"/>
+            </a:pPr>
+            <a:r>
+              <a:rPr lang="en-US" sz="1800" dirty="0">
                 <a:latin typeface="Georgia" charset="0"/>
-                <a:cs typeface="Georgia" charset="0"/>
               </a:rPr>
-              <a:t>• Simplify text by using bullet points</a:t>
-            </a:r>
-          </a:p>
-          <a:p>
-            <a:pPr marL="174612" indent="-174612"/>
-            <a:r>
-              <a:rPr lang="en-US" sz="1283">
+              <a:t>The algorithm is based on [1], introduced in class lecture notes.</a:t>
+            </a:r>
+          </a:p>
+          <a:p>
+            <a:endParaRPr lang="en-US" sz="1800" dirty="0">
+              <a:latin typeface="Georgia" charset="0"/>
+            </a:endParaRPr>
+          </a:p>
+          <a:p>
+            <a:r>
+              <a:rPr lang="en-US" sz="2000" u="sng" dirty="0">
                 <a:latin typeface="Georgia" charset="0"/>
-                <a:cs typeface="Georgia" charset="0"/>
               </a:rPr>
-              <a:t>• Use colored graphs and charts</a:t>
-            </a:r>
-          </a:p>
-          <a:p>
-            <a:pPr marL="174612" indent="-174612"/>
-            <a:r>
-              <a:rPr lang="en-US" sz="1283">
+              <a:t>Source Identification</a:t>
+            </a:r>
+            <a:endParaRPr lang="en-US" sz="1800" dirty="0">
+              <a:latin typeface="Georgia" charset="0"/>
+            </a:endParaRPr>
+          </a:p>
+          <a:p>
+            <a:pPr marL="285750" indent="-285750">
+              <a:buFont typeface="Arial" panose="020B0604020202020204" pitchFamily="34" charset="0"/>
+              <a:buChar char="•"/>
+            </a:pPr>
+            <a:r>
+              <a:rPr lang="en-US" sz="1800" dirty="0">
                 <a:latin typeface="Georgia" charset="0"/>
-                <a:cs typeface="Georgia" charset="0"/>
               </a:rPr>
-              <a:t>• Use bold to provide emphasis; avoid capitals </a:t>
-            </a:r>
-            <a:br>
-              <a:rPr lang="en-US" sz="1283">
+              <a:t>We use a pre-trained classifier for male and female voice based on data we collected. </a:t>
+            </a:r>
+          </a:p>
+          <a:p>
+            <a:pPr marL="285750" indent="-285750">
+              <a:buFont typeface="Arial" panose="020B0604020202020204" pitchFamily="34" charset="0"/>
+              <a:buChar char="•"/>
+            </a:pPr>
+            <a:r>
+              <a:rPr lang="en-US" sz="1800" dirty="0">
                 <a:latin typeface="Georgia" charset="0"/>
-                <a:cs typeface="Georgia" charset="0"/>
               </a:rPr>
-            </a:br>
-            <a:r>
-              <a:rPr lang="en-US" sz="1283">
+              <a:t>Frame-wise classifier in the frequency domain + voting. </a:t>
+            </a:r>
+          </a:p>
+          <a:p>
+            <a:pPr marL="285750" indent="-285750">
+              <a:buFont typeface="Arial" panose="020B0604020202020204" pitchFamily="34" charset="0"/>
+              <a:buChar char="•"/>
+            </a:pPr>
+            <a:endParaRPr lang="en-US" sz="1800" dirty="0">
+              <a:latin typeface="Georgia" charset="0"/>
+            </a:endParaRPr>
+          </a:p>
+          <a:p>
+            <a:r>
+              <a:rPr lang="en-US" sz="2000" u="sng" dirty="0">
                 <a:latin typeface="Georgia" charset="0"/>
-                <a:cs typeface="Georgia" charset="0"/>
               </a:rPr>
-              <a:t>  and underlining</a:t>
-            </a:r>
-          </a:p>
-          <a:p>
-            <a:pPr marL="174612" indent="-174612"/>
-            <a:r>
-              <a:rPr lang="en-US" sz="1283">
+              <a:t>Localization</a:t>
+            </a:r>
+            <a:endParaRPr lang="en-US" sz="1800" dirty="0">
+              <a:latin typeface="Georgia" charset="0"/>
+            </a:endParaRPr>
+          </a:p>
+          <a:p>
+            <a:pPr marL="285750" indent="-285750">
+              <a:buFont typeface="Arial" panose="020B0604020202020204" pitchFamily="34" charset="0"/>
+              <a:buChar char="•"/>
+            </a:pPr>
+            <a:r>
+              <a:rPr lang="en-US" sz="1800" dirty="0">
                 <a:latin typeface="Georgia" charset="0"/>
-                <a:cs typeface="Georgia" charset="0"/>
               </a:rPr>
-              <a:t>• Avoid long numerical tables</a:t>
-            </a:r>
-          </a:p>
-          <a:p>
-            <a:pPr marL="174612" indent="-174612"/>
-            <a:r>
-              <a:rPr lang="en-US" sz="1283">
+              <a:t>Sound signals from 2 mics are aligned to give the difference in time-of-arrival and magnitude.</a:t>
+            </a:r>
+          </a:p>
+          <a:p>
+            <a:pPr marL="285750" indent="-285750">
+              <a:buFont typeface="Arial" panose="020B0604020202020204" pitchFamily="34" charset="0"/>
+              <a:buChar char="•"/>
+            </a:pPr>
+            <a:r>
+              <a:rPr lang="en-US" sz="1800" dirty="0">
                 <a:latin typeface="Georgia" charset="0"/>
-                <a:cs typeface="Georgia" charset="0"/>
               </a:rPr>
-              <a:t> </a:t>
-            </a:r>
-          </a:p>
-          <a:p>
-            <a:pPr marL="174612" indent="-174612"/>
-            <a:r>
-              <a:rPr lang="en-US" sz="1283">
+              <a:t>Triangulation is performed to compute the x-y location of the agent.</a:t>
+            </a:r>
+          </a:p>
+          <a:p>
+            <a:pPr marL="285750" indent="-285750">
+              <a:buFont typeface="Arial" panose="020B0604020202020204" pitchFamily="34" charset="0"/>
+              <a:buChar char="•"/>
+            </a:pPr>
+            <a:endParaRPr lang="en-US" sz="1800" dirty="0">
+              <a:latin typeface="Georgia" charset="0"/>
+            </a:endParaRPr>
+          </a:p>
+          <a:p>
+            <a:r>
+              <a:rPr lang="en-US" sz="2000" u="sng" dirty="0">
                 <a:latin typeface="Georgia" charset="0"/>
-                <a:cs typeface="Georgia" charset="0"/>
               </a:rPr>
-              <a:t>Authors should re-write their paper so that it is suitable for the brevity of the poster format. Respect your audience–as a general rule, less is more. Use a generous amount of white space to separate elements and avoid data overkill. Refer to Web sites or other sources to provide a more in-depth understanding of the research.</a:t>
-            </a:r>
+              <a:t>Kalman Filter</a:t>
+            </a:r>
+            <a:endParaRPr lang="en-US" sz="1800" dirty="0">
+              <a:latin typeface="Georgia" charset="0"/>
+            </a:endParaRPr>
+          </a:p>
+          <a:p>
+            <a:pPr marL="285750" indent="-285750">
+              <a:buFont typeface="Arial" panose="020B0604020202020204" pitchFamily="34" charset="0"/>
+              <a:buChar char="•"/>
+            </a:pPr>
+            <a:r>
+              <a:rPr lang="en-US" sz="1800" dirty="0">
+                <a:latin typeface="Georgia" charset="0"/>
+              </a:rPr>
+              <a:t>Two independent Kalman filters are used for the two agents.</a:t>
+            </a:r>
+          </a:p>
+          <a:p>
+            <a:pPr marL="285750" indent="-285750">
+              <a:buFont typeface="Arial" panose="020B0604020202020204" pitchFamily="34" charset="0"/>
+              <a:buChar char="•"/>
+            </a:pPr>
+            <a:r>
+              <a:rPr lang="en-US" sz="1800" dirty="0">
+                <a:latin typeface="Georgia" charset="0"/>
+              </a:rPr>
+              <a:t>The state includes the position and velocity of the agent.</a:t>
+            </a:r>
+          </a:p>
+          <a:p>
+            <a:endParaRPr lang="en-US" sz="1800" dirty="0">
+              <a:latin typeface="Georgia" charset="0"/>
+            </a:endParaRPr>
+          </a:p>
+          <a:p>
+            <a:endParaRPr lang="en-US" sz="1800" dirty="0">
+              <a:latin typeface="Georgia" charset="0"/>
+            </a:endParaRPr>
+          </a:p>
+          <a:p>
+            <a:endParaRPr lang="en-US" sz="1800" dirty="0">
+              <a:latin typeface="Georgia" charset="0"/>
+            </a:endParaRPr>
+          </a:p>
+          <a:p>
+            <a:pPr marL="285750" indent="-285750">
+              <a:buFont typeface="Arial" panose="020B0604020202020204" pitchFamily="34" charset="0"/>
+              <a:buChar char="•"/>
+            </a:pPr>
+            <a:endParaRPr lang="en-US" sz="1800" dirty="0">
+              <a:latin typeface="Georgia" charset="0"/>
+            </a:endParaRPr>
+          </a:p>
+          <a:p>
+            <a:endParaRPr lang="en-US" sz="1800" dirty="0">
+              <a:latin typeface="Georgia" charset="0"/>
+            </a:endParaRPr>
+          </a:p>
+          <a:p>
+            <a:pPr marL="285750" indent="-285750">
+              <a:buFont typeface="Arial" panose="020B0604020202020204" pitchFamily="34" charset="0"/>
+              <a:buChar char="•"/>
+            </a:pPr>
+            <a:endParaRPr lang="en-US" sz="1800" dirty="0">
+              <a:latin typeface="Georgia" charset="0"/>
+            </a:endParaRPr>
           </a:p>
         </p:txBody>
       </p:sp>
@@ -4508,8 +4615,8 @@
         </p:nvSpPr>
         <p:spPr bwMode="auto">
           <a:xfrm>
-            <a:off x="6724650" y="9391738"/>
-            <a:ext cx="4505325" cy="12258675"/>
+            <a:off x="9982200" y="4343399"/>
+            <a:ext cx="9619712" cy="18755293"/>
           </a:xfrm>
           <a:prstGeom prst="rect">
             <a:avLst/>
@@ -4522,7 +4629,7 @@
           </a:ln>
           <a:extLst>
             <a:ext uri="{91240B29-F687-4f45-9708-019B960494DF}">
-              <a14:hiddenLine xmlns:a14="http://schemas.microsoft.com/office/drawing/2010/main" xmlns="" w="9525">
+              <a14:hiddenLine xmlns="" xmlns:a14="http://schemas.microsoft.com/office/drawing/2010/main" w="9525">
                 <a:solidFill>
                   <a:srgbClr val="000000"/>
                 </a:solidFill>
@@ -4543,14 +4650,14 @@
               </a:spcBef>
             </a:pPr>
             <a:r>
-              <a:rPr lang="en-GB" sz="1833" b="1" u="sng" dirty="0">
+              <a:rPr lang="en-GB" sz="2400" b="1" u="sng" dirty="0">
                 <a:solidFill>
                   <a:schemeClr val="tx2"/>
                 </a:solidFill>
               </a:rPr>
               <a:t>RESULTS</a:t>
             </a:r>
-            <a:endParaRPr lang="en-GB" sz="1833" b="1" dirty="0">
+            <a:endParaRPr lang="en-GB" sz="2400" b="1" dirty="0">
               <a:solidFill>
                 <a:srgbClr val="CC3300"/>
               </a:solidFill>
@@ -4561,138 +4668,6 @@
               <a:latin typeface="Georgia" charset="0"/>
               <a:cs typeface="Georgia" charset="0"/>
             </a:endParaRPr>
-          </a:p>
-          <a:p>
-            <a:r>
-              <a:rPr lang="en-US" sz="1283" b="1" dirty="0">
-                <a:latin typeface="Georgia" charset="0"/>
-                <a:cs typeface="Georgia" charset="0"/>
-              </a:rPr>
-              <a:t>Images</a:t>
-            </a:r>
-            <a:endParaRPr lang="en-US" sz="1283" dirty="0">
-              <a:latin typeface="Georgia" charset="0"/>
-              <a:cs typeface="Georgia" charset="0"/>
-            </a:endParaRPr>
-          </a:p>
-          <a:p>
-            <a:r>
-              <a:rPr lang="en-US" sz="1283" dirty="0">
-                <a:latin typeface="Georgia" charset="0"/>
-                <a:cs typeface="Georgia" charset="0"/>
-              </a:rPr>
-              <a:t>TIFFs are the preferred file format for images appearing in printed posters. Avoid the use of low-resolution </a:t>
-            </a:r>
-            <a:r>
-              <a:rPr lang="en-US" sz="1283" dirty="0" err="1">
-                <a:latin typeface="Georgia" charset="0"/>
-                <a:cs typeface="Georgia" charset="0"/>
-              </a:rPr>
-              <a:t>jpgs</a:t>
-            </a:r>
-            <a:r>
-              <a:rPr lang="en-US" sz="1283" dirty="0">
-                <a:latin typeface="Georgia" charset="0"/>
-                <a:cs typeface="Georgia" charset="0"/>
-              </a:rPr>
-              <a:t>, especially those downloaded from the Internet, as they will reproduce poorly.</a:t>
-            </a:r>
-          </a:p>
-          <a:p>
-            <a:r>
-              <a:rPr lang="en-US" sz="1283" dirty="0">
-                <a:latin typeface="Georgia" charset="0"/>
-                <a:cs typeface="Georgia" charset="0"/>
-              </a:rPr>
-              <a:t> </a:t>
-            </a:r>
-          </a:p>
-          <a:p>
-            <a:r>
-              <a:rPr lang="en-US" sz="1283" dirty="0">
-                <a:latin typeface="Georgia" charset="0"/>
-                <a:cs typeface="Georgia" charset="0"/>
-              </a:rPr>
-              <a:t>In order to insert an image, use the menu toolbar at the top of your screen. </a:t>
-            </a:r>
-          </a:p>
-          <a:p>
-            <a:endParaRPr lang="en-US" sz="1283" dirty="0">
-              <a:latin typeface="Georgia" charset="0"/>
-              <a:cs typeface="Georgia" charset="0"/>
-            </a:endParaRPr>
-          </a:p>
-          <a:p>
-            <a:r>
-              <a:rPr lang="en-US" sz="1283" dirty="0">
-                <a:latin typeface="Georgia" charset="0"/>
-                <a:cs typeface="Georgia" charset="0"/>
-              </a:rPr>
-              <a:t>Select:</a:t>
-            </a:r>
-          </a:p>
-          <a:p>
-            <a:r>
-              <a:rPr lang="en-US" sz="1283" dirty="0">
-                <a:latin typeface="Georgia" charset="0"/>
-                <a:cs typeface="Georgia" charset="0"/>
-              </a:rPr>
-              <a:t>1  Insert</a:t>
-            </a:r>
-          </a:p>
-          <a:p>
-            <a:r>
-              <a:rPr lang="en-US" sz="1283" dirty="0">
-                <a:latin typeface="Georgia" charset="0"/>
-                <a:cs typeface="Georgia" charset="0"/>
-              </a:rPr>
-              <a:t>2  Picture</a:t>
-            </a:r>
-          </a:p>
-          <a:p>
-            <a:r>
-              <a:rPr lang="en-US" sz="1283" dirty="0">
-                <a:latin typeface="Georgia" charset="0"/>
-                <a:cs typeface="Georgia" charset="0"/>
-              </a:rPr>
-              <a:t>3  From file </a:t>
-            </a:r>
-          </a:p>
-          <a:p>
-            <a:r>
-              <a:rPr lang="en-US" sz="1283" dirty="0">
-                <a:latin typeface="Georgia" charset="0"/>
-                <a:cs typeface="Georgia" charset="0"/>
-              </a:rPr>
-              <a:t>4  Find and select the correct file on your computer</a:t>
-            </a:r>
-          </a:p>
-          <a:p>
-            <a:r>
-              <a:rPr lang="en-US" sz="1283" dirty="0">
-                <a:latin typeface="Georgia" charset="0"/>
-                <a:cs typeface="Georgia" charset="0"/>
-              </a:rPr>
-              <a:t>5  Press OK</a:t>
-            </a:r>
-          </a:p>
-          <a:p>
-            <a:r>
-              <a:rPr lang="en-US" sz="1283" dirty="0">
-                <a:latin typeface="Georgia" charset="0"/>
-                <a:cs typeface="Georgia" charset="0"/>
-              </a:rPr>
-              <a:t> </a:t>
-            </a:r>
-          </a:p>
-          <a:p>
-            <a:r>
-              <a:rPr lang="en-US" sz="1283" dirty="0">
-                <a:latin typeface="Georgia" charset="0"/>
-                <a:cs typeface="Georgia" charset="0"/>
-              </a:rPr>
-              <a:t>Be aware of the image size you are importing.  </a:t>
-            </a:r>
           </a:p>
           <a:p>
             <a:pPr>
@@ -4706,6 +4681,18 @@
               </a:solidFill>
             </a:endParaRPr>
           </a:p>
+          <a:p>
+            <a:pPr>
+              <a:spcBef>
+                <a:spcPct val="50000"/>
+              </a:spcBef>
+            </a:pPr>
+            <a:endParaRPr lang="en-US" sz="1833" b="1" dirty="0">
+              <a:solidFill>
+                <a:srgbClr val="CC3300"/>
+              </a:solidFill>
+            </a:endParaRPr>
+          </a:p>
         </p:txBody>
       </p:sp>
       <p:sp>
@@ -4718,8 +4705,8 @@
         </p:nvSpPr>
         <p:spPr bwMode="auto">
           <a:xfrm>
-            <a:off x="12828389" y="14819556"/>
-            <a:ext cx="4505325" cy="2863850"/>
+            <a:off x="9994702" y="23410417"/>
+            <a:ext cx="9619712" cy="6231383"/>
           </a:xfrm>
           <a:prstGeom prst="rect">
             <a:avLst/>
@@ -4732,7 +4719,7 @@
           </a:ln>
           <a:extLst>
             <a:ext uri="{91240B29-F687-4f45-9708-019B960494DF}">
-              <a14:hiddenLine xmlns:a14="http://schemas.microsoft.com/office/drawing/2010/main" xmlns="" w="9525">
+              <a14:hiddenLine xmlns="" xmlns:a14="http://schemas.microsoft.com/office/drawing/2010/main" w="9525">
                 <a:solidFill>
                   <a:srgbClr val="000000"/>
                 </a:solidFill>
@@ -4753,1370 +4740,82 @@
               </a:spcBef>
             </a:pPr>
             <a:r>
-              <a:rPr lang="en-GB" sz="1833" b="1" u="sng" dirty="0">
+              <a:rPr lang="en-GB" sz="2400" b="1" u="sng" dirty="0">
                 <a:solidFill>
                   <a:schemeClr val="tx2"/>
                 </a:solidFill>
               </a:rPr>
-              <a:t>CONCLUSIONS and Future Work</a:t>
-            </a:r>
+              <a:t>Conclusions and Future Work</a:t>
+            </a:r>
+          </a:p>
+          <a:p>
+            <a:pPr marL="342900" indent="-342900">
+              <a:spcBef>
+                <a:spcPct val="50000"/>
+              </a:spcBef>
+              <a:buFont typeface="Arial" panose="020B0604020202020204" pitchFamily="34" charset="0"/>
+              <a:buChar char="•"/>
+            </a:pPr>
+            <a:r>
+              <a:rPr lang="en-US" sz="1800" dirty="0">
+                <a:latin typeface="Georgia" charset="0"/>
+              </a:rPr>
+              <a:t>While the tracking performance is decent, our algorithm is still not fast enough to perform real-time tracking</a:t>
+            </a:r>
+          </a:p>
+          <a:p>
+            <a:pPr marL="285750" indent="-285750">
+              <a:buFont typeface="Arial" panose="020B0604020202020204" pitchFamily="34" charset="0"/>
+              <a:buChar char="•"/>
+            </a:pPr>
+            <a:r>
+              <a:rPr lang="en-US" sz="1800" dirty="0">
+                <a:latin typeface="Georgia" charset="0"/>
+              </a:rPr>
+              <a:t> Arbitrary M source N input </a:t>
+            </a:r>
+          </a:p>
+          <a:p>
+            <a:pPr marL="285750" indent="-285750">
+              <a:buFont typeface="Arial" panose="020B0604020202020204" pitchFamily="34" charset="0"/>
+              <a:buChar char="•"/>
+            </a:pPr>
+            <a:r>
+              <a:rPr lang="en-US" sz="1800" dirty="0">
+                <a:latin typeface="Georgia" charset="0"/>
+              </a:rPr>
+              <a:t> 3D instead of 2D</a:t>
+            </a:r>
+          </a:p>
+          <a:p>
+            <a:pPr marL="285750" indent="-285750">
+              <a:buFont typeface="Arial" panose="020B0604020202020204" pitchFamily="34" charset="0"/>
+              <a:buChar char="•"/>
+            </a:pPr>
+            <a:endParaRPr lang="en-US" sz="2400" dirty="0">
+              <a:latin typeface="Georgia" charset="0"/>
+            </a:endParaRPr>
+          </a:p>
+          <a:p>
+            <a:pPr>
+              <a:spcBef>
+                <a:spcPct val="50000"/>
+              </a:spcBef>
+            </a:pPr>
+            <a:endParaRPr lang="en-GB" sz="2400" b="1" u="sng" dirty="0">
+              <a:solidFill>
+                <a:schemeClr val="tx2"/>
+              </a:solidFill>
+            </a:endParaRPr>
           </a:p>
           <a:p>
             <a:endParaRPr lang="en-US" sz="1283" dirty="0"/>
-          </a:p>
-          <a:p>
-            <a:r>
-              <a:rPr lang="en-US" sz="1283" dirty="0">
-                <a:latin typeface="Georgia" charset="0"/>
-                <a:cs typeface="Georgia" charset="0"/>
-              </a:rPr>
-              <a:t>We have created this template with scientific researchers in mind and with the help of feedback we have received.  We encourage any comments or suggestions so that we can continue to update and improve this template. To make a suggestion contact:</a:t>
-            </a:r>
           </a:p>
           <a:p>
             <a:endParaRPr lang="en-US" sz="1283" dirty="0">
               <a:latin typeface="Georgia" charset="0"/>
               <a:cs typeface="Georgia" charset="0"/>
             </a:endParaRPr>
-          </a:p>
-          <a:p>
-            <a:r>
-              <a:rPr lang="en-US" sz="1283" dirty="0" err="1">
-                <a:latin typeface="Georgia" charset="0"/>
-                <a:cs typeface="Georgia" charset="0"/>
-              </a:rPr>
-              <a:t>creativeservices@illinois.edu</a:t>
-            </a:r>
-            <a:endParaRPr lang="en-US" sz="1283" dirty="0">
-              <a:latin typeface="Georgia" charset="0"/>
-              <a:cs typeface="Georgia" charset="0"/>
-            </a:endParaRPr>
-          </a:p>
-        </p:txBody>
-      </p:sp>
-      <p:sp>
-        <p:nvSpPr>
-          <p:cNvPr id="14347" name="Rectangle 13"/>
-          <p:cNvSpPr>
-            <a:spLocks noChangeArrowheads="1"/>
-          </p:cNvSpPr>
-          <p:nvPr/>
-        </p:nvSpPr>
-        <p:spPr bwMode="auto">
-          <a:xfrm>
-            <a:off x="6934200" y="19060142"/>
-            <a:ext cx="4086225" cy="1649479"/>
-          </a:xfrm>
-          <a:prstGeom prst="rect">
-            <a:avLst/>
-          </a:prstGeom>
-          <a:solidFill>
-            <a:srgbClr val="EEEEEE"/>
-          </a:solidFill>
-          <a:ln w="9525">
-            <a:solidFill>
-              <a:schemeClr val="tx1"/>
-            </a:solidFill>
-            <a:miter lim="800000"/>
-            <a:headEnd/>
-            <a:tailEnd/>
-          </a:ln>
-        </p:spPr>
-        <p:txBody>
-          <a:bodyPr wrap="none" anchor="ctr"/>
-          <a:lstStyle/>
-          <a:p>
-            <a:endParaRPr lang="en-US" sz="2627"/>
-          </a:p>
-        </p:txBody>
-      </p:sp>
-      <p:sp>
-        <p:nvSpPr>
-          <p:cNvPr id="14348" name="Text Box 14"/>
-          <p:cNvSpPr txBox="1">
-            <a:spLocks noChangeArrowheads="1"/>
-          </p:cNvSpPr>
-          <p:nvPr/>
-        </p:nvSpPr>
-        <p:spPr bwMode="auto">
-          <a:xfrm>
-            <a:off x="6934200" y="20764191"/>
-            <a:ext cx="4086225" cy="656846"/>
-          </a:xfrm>
-          <a:prstGeom prst="rect">
-            <a:avLst/>
-          </a:prstGeom>
-          <a:noFill/>
-          <a:ln>
-            <a:noFill/>
-          </a:ln>
-          <a:extLst>
-            <a:ext uri="{909E8E84-426E-40dd-AFC4-6F175D3DCCD1}">
-              <a14:hiddenFill xmlns:a14="http://schemas.microsoft.com/office/drawing/2010/main" xmlns="">
-                <a:solidFill>
-                  <a:srgbClr val="FFFFFF"/>
-                </a:solidFill>
-              </a14:hiddenFill>
-            </a:ext>
-            <a:ext uri="{91240B29-F687-4f45-9708-019B960494DF}">
-              <a14:hiddenLine xmlns:a14="http://schemas.microsoft.com/office/drawing/2010/main" xmlns="" w="9525">
-                <a:solidFill>
-                  <a:srgbClr val="000000"/>
-                </a:solidFill>
-                <a:miter lim="800000"/>
-                <a:headEnd/>
-                <a:tailEnd/>
-              </a14:hiddenLine>
-            </a:ext>
-          </a:extLst>
-        </p:spPr>
-        <p:txBody>
-          <a:bodyPr lIns="0" rIns="0">
-            <a:spAutoFit/>
-          </a:bodyPr>
-          <a:lstStyle>
-            <a:lvl1pPr eaLnBrk="0" hangingPunct="0">
-              <a:defRPr sz="8600">
-                <a:solidFill>
-                  <a:schemeClr val="tx1"/>
-                </a:solidFill>
-                <a:latin typeface="Arial" charset="0"/>
-                <a:ea typeface="ＭＳ Ｐゴシック" charset="0"/>
-                <a:cs typeface="ＭＳ Ｐゴシック" charset="0"/>
-              </a:defRPr>
-            </a:lvl1pPr>
-            <a:lvl2pPr marL="742950" indent="-285750" eaLnBrk="0" hangingPunct="0">
-              <a:defRPr sz="8600">
-                <a:solidFill>
-                  <a:schemeClr val="tx1"/>
-                </a:solidFill>
-                <a:latin typeface="Arial" charset="0"/>
-                <a:ea typeface="ＭＳ Ｐゴシック" charset="0"/>
-              </a:defRPr>
-            </a:lvl2pPr>
-            <a:lvl3pPr marL="1143000" indent="-228600" eaLnBrk="0" hangingPunct="0">
-              <a:defRPr sz="8600">
-                <a:solidFill>
-                  <a:schemeClr val="tx1"/>
-                </a:solidFill>
-                <a:latin typeface="Arial" charset="0"/>
-                <a:ea typeface="ＭＳ Ｐゴシック" charset="0"/>
-              </a:defRPr>
-            </a:lvl3pPr>
-            <a:lvl4pPr marL="1600200" indent="-228600" eaLnBrk="0" hangingPunct="0">
-              <a:defRPr sz="8600">
-                <a:solidFill>
-                  <a:schemeClr val="tx1"/>
-                </a:solidFill>
-                <a:latin typeface="Arial" charset="0"/>
-                <a:ea typeface="ＭＳ Ｐゴシック" charset="0"/>
-              </a:defRPr>
-            </a:lvl4pPr>
-            <a:lvl5pPr marL="2057400" indent="-228600" eaLnBrk="0" hangingPunct="0">
-              <a:defRPr sz="8600">
-                <a:solidFill>
-                  <a:schemeClr val="tx1"/>
-                </a:solidFill>
-                <a:latin typeface="Arial" charset="0"/>
-                <a:ea typeface="ＭＳ Ｐゴシック" charset="0"/>
-              </a:defRPr>
-            </a:lvl5pPr>
-            <a:lvl6pPr marL="2514600" indent="-228600" defTabSz="2193925" eaLnBrk="0" fontAlgn="base" hangingPunct="0">
-              <a:spcBef>
-                <a:spcPct val="0"/>
-              </a:spcBef>
-              <a:spcAft>
-                <a:spcPct val="0"/>
-              </a:spcAft>
-              <a:defRPr sz="8600">
-                <a:solidFill>
-                  <a:schemeClr val="tx1"/>
-                </a:solidFill>
-                <a:latin typeface="Arial" charset="0"/>
-                <a:ea typeface="ＭＳ Ｐゴシック" charset="0"/>
-              </a:defRPr>
-            </a:lvl6pPr>
-            <a:lvl7pPr marL="2971800" indent="-228600" defTabSz="2193925" eaLnBrk="0" fontAlgn="base" hangingPunct="0">
-              <a:spcBef>
-                <a:spcPct val="0"/>
-              </a:spcBef>
-              <a:spcAft>
-                <a:spcPct val="0"/>
-              </a:spcAft>
-              <a:defRPr sz="8600">
-                <a:solidFill>
-                  <a:schemeClr val="tx1"/>
-                </a:solidFill>
-                <a:latin typeface="Arial" charset="0"/>
-                <a:ea typeface="ＭＳ Ｐゴシック" charset="0"/>
-              </a:defRPr>
-            </a:lvl7pPr>
-            <a:lvl8pPr marL="3429000" indent="-228600" defTabSz="2193925" eaLnBrk="0" fontAlgn="base" hangingPunct="0">
-              <a:spcBef>
-                <a:spcPct val="0"/>
-              </a:spcBef>
-              <a:spcAft>
-                <a:spcPct val="0"/>
-              </a:spcAft>
-              <a:defRPr sz="8600">
-                <a:solidFill>
-                  <a:schemeClr val="tx1"/>
-                </a:solidFill>
-                <a:latin typeface="Arial" charset="0"/>
-                <a:ea typeface="ＭＳ Ｐゴシック" charset="0"/>
-              </a:defRPr>
-            </a:lvl8pPr>
-            <a:lvl9pPr marL="3886200" indent="-228600" defTabSz="2193925" eaLnBrk="0" fontAlgn="base" hangingPunct="0">
-              <a:spcBef>
-                <a:spcPct val="0"/>
-              </a:spcBef>
-              <a:spcAft>
-                <a:spcPct val="0"/>
-              </a:spcAft>
-              <a:defRPr sz="8600">
-                <a:solidFill>
-                  <a:schemeClr val="tx1"/>
-                </a:solidFill>
-                <a:latin typeface="Arial" charset="0"/>
-                <a:ea typeface="ＭＳ Ｐゴシック" charset="0"/>
-              </a:defRPr>
-            </a:lvl9pPr>
-          </a:lstStyle>
-          <a:p>
-            <a:pPr eaLnBrk="1" hangingPunct="1"/>
-            <a:r>
-              <a:rPr lang="en-AU" sz="917" i="1"/>
-              <a:t>Captions set in a serif style font such as Times, 18 to 24 size, italic style. </a:t>
-            </a:r>
-          </a:p>
-          <a:p>
-            <a:pPr eaLnBrk="1" hangingPunct="1"/>
-            <a:endParaRPr lang="en-AU" sz="917" i="1"/>
-          </a:p>
-          <a:p>
-            <a:pPr eaLnBrk="1" hangingPunct="1"/>
-            <a:r>
-              <a:rPr lang="en-US" sz="917" i="1"/>
-              <a:t>Duis autem vel eum iriure dolor in hendrerit in vulputate velit esse molestie consequat.</a:t>
-            </a:r>
-            <a:endParaRPr lang="en-AU" sz="917" i="1"/>
-          </a:p>
-        </p:txBody>
-      </p:sp>
-      <p:sp>
-        <p:nvSpPr>
-          <p:cNvPr id="14349" name="Rectangle 15"/>
-          <p:cNvSpPr>
-            <a:spLocks noChangeArrowheads="1"/>
-          </p:cNvSpPr>
-          <p:nvPr/>
-        </p:nvSpPr>
-        <p:spPr bwMode="auto">
-          <a:xfrm>
-            <a:off x="6934200" y="17098522"/>
-            <a:ext cx="2474582" cy="1649479"/>
-          </a:xfrm>
-          <a:prstGeom prst="rect">
-            <a:avLst/>
-          </a:prstGeom>
-          <a:solidFill>
-            <a:srgbClr val="EEEEEE"/>
-          </a:solidFill>
-          <a:ln w="9525">
-            <a:solidFill>
-              <a:schemeClr val="tx1"/>
-            </a:solidFill>
-            <a:miter lim="800000"/>
-            <a:headEnd/>
-            <a:tailEnd/>
-          </a:ln>
-        </p:spPr>
-        <p:txBody>
-          <a:bodyPr wrap="none" anchor="ctr"/>
-          <a:lstStyle/>
-          <a:p>
-            <a:endParaRPr lang="en-US" sz="2627"/>
-          </a:p>
-        </p:txBody>
-      </p:sp>
-      <p:sp>
-        <p:nvSpPr>
-          <p:cNvPr id="14350" name="Text Box 16"/>
-          <p:cNvSpPr txBox="1">
-            <a:spLocks noChangeArrowheads="1"/>
-          </p:cNvSpPr>
-          <p:nvPr/>
-        </p:nvSpPr>
-        <p:spPr bwMode="auto">
-          <a:xfrm>
-            <a:off x="9413875" y="17003933"/>
-            <a:ext cx="1606550" cy="1295638"/>
-          </a:xfrm>
-          <a:prstGeom prst="rect">
-            <a:avLst/>
-          </a:prstGeom>
-          <a:noFill/>
-          <a:ln>
-            <a:noFill/>
-          </a:ln>
-          <a:extLst>
-            <a:ext uri="{909E8E84-426E-40dd-AFC4-6F175D3DCCD1}">
-              <a14:hiddenFill xmlns:a14="http://schemas.microsoft.com/office/drawing/2010/main" xmlns="">
-                <a:solidFill>
-                  <a:srgbClr val="FFFFFF"/>
-                </a:solidFill>
-              </a14:hiddenFill>
-            </a:ext>
-            <a:ext uri="{91240B29-F687-4f45-9708-019B960494DF}">
-              <a14:hiddenLine xmlns:a14="http://schemas.microsoft.com/office/drawing/2010/main" xmlns="" w="9525">
-                <a:solidFill>
-                  <a:srgbClr val="000000"/>
-                </a:solidFill>
-                <a:miter lim="800000"/>
-                <a:headEnd/>
-                <a:tailEnd/>
-              </a14:hiddenLine>
-            </a:ext>
-          </a:extLst>
-        </p:spPr>
-        <p:txBody>
-          <a:bodyPr lIns="82500" tIns="82500" rIns="82500" bIns="82500">
-            <a:spAutoFit/>
-          </a:bodyPr>
-          <a:lstStyle>
-            <a:lvl1pPr eaLnBrk="0" hangingPunct="0">
-              <a:defRPr sz="8600">
-                <a:solidFill>
-                  <a:schemeClr val="tx1"/>
-                </a:solidFill>
-                <a:latin typeface="Arial" charset="0"/>
-                <a:ea typeface="ＭＳ Ｐゴシック" charset="0"/>
-                <a:cs typeface="ＭＳ Ｐゴシック" charset="0"/>
-              </a:defRPr>
-            </a:lvl1pPr>
-            <a:lvl2pPr marL="742950" indent="-285750" eaLnBrk="0" hangingPunct="0">
-              <a:defRPr sz="8600">
-                <a:solidFill>
-                  <a:schemeClr val="tx1"/>
-                </a:solidFill>
-                <a:latin typeface="Arial" charset="0"/>
-                <a:ea typeface="ＭＳ Ｐゴシック" charset="0"/>
-              </a:defRPr>
-            </a:lvl2pPr>
-            <a:lvl3pPr marL="1143000" indent="-228600" eaLnBrk="0" hangingPunct="0">
-              <a:defRPr sz="8600">
-                <a:solidFill>
-                  <a:schemeClr val="tx1"/>
-                </a:solidFill>
-                <a:latin typeface="Arial" charset="0"/>
-                <a:ea typeface="ＭＳ Ｐゴシック" charset="0"/>
-              </a:defRPr>
-            </a:lvl3pPr>
-            <a:lvl4pPr marL="1600200" indent="-228600" eaLnBrk="0" hangingPunct="0">
-              <a:defRPr sz="8600">
-                <a:solidFill>
-                  <a:schemeClr val="tx1"/>
-                </a:solidFill>
-                <a:latin typeface="Arial" charset="0"/>
-                <a:ea typeface="ＭＳ Ｐゴシック" charset="0"/>
-              </a:defRPr>
-            </a:lvl4pPr>
-            <a:lvl5pPr marL="2057400" indent="-228600" eaLnBrk="0" hangingPunct="0">
-              <a:defRPr sz="8600">
-                <a:solidFill>
-                  <a:schemeClr val="tx1"/>
-                </a:solidFill>
-                <a:latin typeface="Arial" charset="0"/>
-                <a:ea typeface="ＭＳ Ｐゴシック" charset="0"/>
-              </a:defRPr>
-            </a:lvl5pPr>
-            <a:lvl6pPr marL="2514600" indent="-228600" defTabSz="2193925" eaLnBrk="0" fontAlgn="base" hangingPunct="0">
-              <a:spcBef>
-                <a:spcPct val="0"/>
-              </a:spcBef>
-              <a:spcAft>
-                <a:spcPct val="0"/>
-              </a:spcAft>
-              <a:defRPr sz="8600">
-                <a:solidFill>
-                  <a:schemeClr val="tx1"/>
-                </a:solidFill>
-                <a:latin typeface="Arial" charset="0"/>
-                <a:ea typeface="ＭＳ Ｐゴシック" charset="0"/>
-              </a:defRPr>
-            </a:lvl6pPr>
-            <a:lvl7pPr marL="2971800" indent="-228600" defTabSz="2193925" eaLnBrk="0" fontAlgn="base" hangingPunct="0">
-              <a:spcBef>
-                <a:spcPct val="0"/>
-              </a:spcBef>
-              <a:spcAft>
-                <a:spcPct val="0"/>
-              </a:spcAft>
-              <a:defRPr sz="8600">
-                <a:solidFill>
-                  <a:schemeClr val="tx1"/>
-                </a:solidFill>
-                <a:latin typeface="Arial" charset="0"/>
-                <a:ea typeface="ＭＳ Ｐゴシック" charset="0"/>
-              </a:defRPr>
-            </a:lvl7pPr>
-            <a:lvl8pPr marL="3429000" indent="-228600" defTabSz="2193925" eaLnBrk="0" fontAlgn="base" hangingPunct="0">
-              <a:spcBef>
-                <a:spcPct val="0"/>
-              </a:spcBef>
-              <a:spcAft>
-                <a:spcPct val="0"/>
-              </a:spcAft>
-              <a:defRPr sz="8600">
-                <a:solidFill>
-                  <a:schemeClr val="tx1"/>
-                </a:solidFill>
-                <a:latin typeface="Arial" charset="0"/>
-                <a:ea typeface="ＭＳ Ｐゴシック" charset="0"/>
-              </a:defRPr>
-            </a:lvl8pPr>
-            <a:lvl9pPr marL="3886200" indent="-228600" defTabSz="2193925" eaLnBrk="0" fontAlgn="base" hangingPunct="0">
-              <a:spcBef>
-                <a:spcPct val="0"/>
-              </a:spcBef>
-              <a:spcAft>
-                <a:spcPct val="0"/>
-              </a:spcAft>
-              <a:defRPr sz="8600">
-                <a:solidFill>
-                  <a:schemeClr val="tx1"/>
-                </a:solidFill>
-                <a:latin typeface="Arial" charset="0"/>
-                <a:ea typeface="ＭＳ Ｐゴシック" charset="0"/>
-              </a:defRPr>
-            </a:lvl9pPr>
-          </a:lstStyle>
-          <a:p>
-            <a:pPr eaLnBrk="1" hangingPunct="1"/>
-            <a:r>
-              <a:rPr lang="en-AU" sz="917" i="1"/>
-              <a:t>Captions set in a serif style font such as Times, 18 to 24 size, italic style. </a:t>
-            </a:r>
-          </a:p>
-          <a:p>
-            <a:pPr eaLnBrk="1" hangingPunct="1"/>
-            <a:endParaRPr lang="en-AU" sz="917" i="1"/>
-          </a:p>
-          <a:p>
-            <a:pPr eaLnBrk="1" hangingPunct="1"/>
-            <a:r>
-              <a:rPr lang="en-US" sz="917" i="1"/>
-              <a:t>Duis autem vel eum iriure dolor in hendrerit in vulputate velit esse molestie consequat.</a:t>
-            </a:r>
-            <a:endParaRPr lang="en-AU" sz="917" i="1"/>
-          </a:p>
-        </p:txBody>
-      </p:sp>
-      <p:sp>
-        <p:nvSpPr>
-          <p:cNvPr id="14351" name="Text Box 17"/>
-          <p:cNvSpPr txBox="1">
-            <a:spLocks noChangeArrowheads="1"/>
-          </p:cNvSpPr>
-          <p:nvPr/>
-        </p:nvSpPr>
-        <p:spPr bwMode="auto">
-          <a:xfrm>
-            <a:off x="902957" y="17027876"/>
-            <a:ext cx="1606550" cy="1295638"/>
-          </a:xfrm>
-          <a:prstGeom prst="rect">
-            <a:avLst/>
-          </a:prstGeom>
-          <a:noFill/>
-          <a:ln>
-            <a:noFill/>
-          </a:ln>
-          <a:extLst>
-            <a:ext uri="{909E8E84-426E-40dd-AFC4-6F175D3DCCD1}">
-              <a14:hiddenFill xmlns:a14="http://schemas.microsoft.com/office/drawing/2010/main" xmlns="">
-                <a:solidFill>
-                  <a:srgbClr val="FFFFFF"/>
-                </a:solidFill>
-              </a14:hiddenFill>
-            </a:ext>
-            <a:ext uri="{91240B29-F687-4f45-9708-019B960494DF}">
-              <a14:hiddenLine xmlns:a14="http://schemas.microsoft.com/office/drawing/2010/main" xmlns="" w="9525">
-                <a:solidFill>
-                  <a:srgbClr val="000000"/>
-                </a:solidFill>
-                <a:miter lim="800000"/>
-                <a:headEnd/>
-                <a:tailEnd/>
-              </a14:hiddenLine>
-            </a:ext>
-          </a:extLst>
-        </p:spPr>
-        <p:txBody>
-          <a:bodyPr wrap="square" lIns="82500" tIns="82500" rIns="82500" bIns="82500">
-            <a:spAutoFit/>
-          </a:bodyPr>
-          <a:lstStyle>
-            <a:lvl1pPr eaLnBrk="0" hangingPunct="0">
-              <a:defRPr sz="8600">
-                <a:solidFill>
-                  <a:schemeClr val="tx1"/>
-                </a:solidFill>
-                <a:latin typeface="Arial" charset="0"/>
-                <a:ea typeface="ＭＳ Ｐゴシック" charset="0"/>
-                <a:cs typeface="ＭＳ Ｐゴシック" charset="0"/>
-              </a:defRPr>
-            </a:lvl1pPr>
-            <a:lvl2pPr marL="742950" indent="-285750" eaLnBrk="0" hangingPunct="0">
-              <a:defRPr sz="8600">
-                <a:solidFill>
-                  <a:schemeClr val="tx1"/>
-                </a:solidFill>
-                <a:latin typeface="Arial" charset="0"/>
-                <a:ea typeface="ＭＳ Ｐゴシック" charset="0"/>
-              </a:defRPr>
-            </a:lvl2pPr>
-            <a:lvl3pPr marL="1143000" indent="-228600" eaLnBrk="0" hangingPunct="0">
-              <a:defRPr sz="8600">
-                <a:solidFill>
-                  <a:schemeClr val="tx1"/>
-                </a:solidFill>
-                <a:latin typeface="Arial" charset="0"/>
-                <a:ea typeface="ＭＳ Ｐゴシック" charset="0"/>
-              </a:defRPr>
-            </a:lvl3pPr>
-            <a:lvl4pPr marL="1600200" indent="-228600" eaLnBrk="0" hangingPunct="0">
-              <a:defRPr sz="8600">
-                <a:solidFill>
-                  <a:schemeClr val="tx1"/>
-                </a:solidFill>
-                <a:latin typeface="Arial" charset="0"/>
-                <a:ea typeface="ＭＳ Ｐゴシック" charset="0"/>
-              </a:defRPr>
-            </a:lvl4pPr>
-            <a:lvl5pPr marL="2057400" indent="-228600" eaLnBrk="0" hangingPunct="0">
-              <a:defRPr sz="8600">
-                <a:solidFill>
-                  <a:schemeClr val="tx1"/>
-                </a:solidFill>
-                <a:latin typeface="Arial" charset="0"/>
-                <a:ea typeface="ＭＳ Ｐゴシック" charset="0"/>
-              </a:defRPr>
-            </a:lvl5pPr>
-            <a:lvl6pPr marL="2514600" indent="-228600" defTabSz="2193925" eaLnBrk="0" fontAlgn="base" hangingPunct="0">
-              <a:spcBef>
-                <a:spcPct val="0"/>
-              </a:spcBef>
-              <a:spcAft>
-                <a:spcPct val="0"/>
-              </a:spcAft>
-              <a:defRPr sz="8600">
-                <a:solidFill>
-                  <a:schemeClr val="tx1"/>
-                </a:solidFill>
-                <a:latin typeface="Arial" charset="0"/>
-                <a:ea typeface="ＭＳ Ｐゴシック" charset="0"/>
-              </a:defRPr>
-            </a:lvl6pPr>
-            <a:lvl7pPr marL="2971800" indent="-228600" defTabSz="2193925" eaLnBrk="0" fontAlgn="base" hangingPunct="0">
-              <a:spcBef>
-                <a:spcPct val="0"/>
-              </a:spcBef>
-              <a:spcAft>
-                <a:spcPct val="0"/>
-              </a:spcAft>
-              <a:defRPr sz="8600">
-                <a:solidFill>
-                  <a:schemeClr val="tx1"/>
-                </a:solidFill>
-                <a:latin typeface="Arial" charset="0"/>
-                <a:ea typeface="ＭＳ Ｐゴシック" charset="0"/>
-              </a:defRPr>
-            </a:lvl7pPr>
-            <a:lvl8pPr marL="3429000" indent="-228600" defTabSz="2193925" eaLnBrk="0" fontAlgn="base" hangingPunct="0">
-              <a:spcBef>
-                <a:spcPct val="0"/>
-              </a:spcBef>
-              <a:spcAft>
-                <a:spcPct val="0"/>
-              </a:spcAft>
-              <a:defRPr sz="8600">
-                <a:solidFill>
-                  <a:schemeClr val="tx1"/>
-                </a:solidFill>
-                <a:latin typeface="Arial" charset="0"/>
-                <a:ea typeface="ＭＳ Ｐゴシック" charset="0"/>
-              </a:defRPr>
-            </a:lvl8pPr>
-            <a:lvl9pPr marL="3886200" indent="-228600" defTabSz="2193925" eaLnBrk="0" fontAlgn="base" hangingPunct="0">
-              <a:spcBef>
-                <a:spcPct val="0"/>
-              </a:spcBef>
-              <a:spcAft>
-                <a:spcPct val="0"/>
-              </a:spcAft>
-              <a:defRPr sz="8600">
-                <a:solidFill>
-                  <a:schemeClr val="tx1"/>
-                </a:solidFill>
-                <a:latin typeface="Arial" charset="0"/>
-                <a:ea typeface="ＭＳ Ｐゴシック" charset="0"/>
-              </a:defRPr>
-            </a:lvl9pPr>
-          </a:lstStyle>
-          <a:p>
-            <a:pPr algn="r" eaLnBrk="1" hangingPunct="1"/>
-            <a:r>
-              <a:rPr lang="en-AU" sz="917" i="1"/>
-              <a:t>Captions set in a serif style font such as Times, 18 to 24 size, italic style. </a:t>
-            </a:r>
-          </a:p>
-          <a:p>
-            <a:pPr algn="r" eaLnBrk="1" hangingPunct="1"/>
-            <a:endParaRPr lang="en-AU" sz="917" i="1"/>
-          </a:p>
-          <a:p>
-            <a:pPr algn="r" eaLnBrk="1" hangingPunct="1"/>
-            <a:r>
-              <a:rPr lang="en-US" sz="917" i="1"/>
-              <a:t>Duis autem vel eum iriure dolor in hendrerit in vulputate velit esse molestie consequat.</a:t>
-            </a:r>
-            <a:endParaRPr lang="en-AU" sz="917" i="1"/>
-          </a:p>
-        </p:txBody>
-      </p:sp>
-      <p:sp>
-        <p:nvSpPr>
-          <p:cNvPr id="14352" name="Rectangle 18"/>
-          <p:cNvSpPr>
-            <a:spLocks noChangeArrowheads="1"/>
-          </p:cNvSpPr>
-          <p:nvPr/>
-        </p:nvSpPr>
-        <p:spPr bwMode="auto">
-          <a:xfrm>
-            <a:off x="2514600" y="17132652"/>
-            <a:ext cx="2474582" cy="1649479"/>
-          </a:xfrm>
-          <a:prstGeom prst="rect">
-            <a:avLst/>
-          </a:prstGeom>
-          <a:solidFill>
-            <a:srgbClr val="EEEEEE"/>
-          </a:solidFill>
-          <a:ln w="9525">
-            <a:solidFill>
-              <a:schemeClr val="tx1"/>
-            </a:solidFill>
-            <a:miter lim="800000"/>
-            <a:headEnd/>
-            <a:tailEnd/>
-          </a:ln>
-        </p:spPr>
-        <p:txBody>
-          <a:bodyPr wrap="none" anchor="ctr"/>
-          <a:lstStyle/>
-          <a:p>
-            <a:endParaRPr lang="en-US" sz="2627"/>
-          </a:p>
-        </p:txBody>
-      </p:sp>
-      <p:sp>
-        <p:nvSpPr>
-          <p:cNvPr id="14353" name="Rectangle 19"/>
-          <p:cNvSpPr>
-            <a:spLocks noChangeArrowheads="1"/>
-          </p:cNvSpPr>
-          <p:nvPr/>
-        </p:nvSpPr>
-        <p:spPr bwMode="auto">
-          <a:xfrm>
-            <a:off x="902957" y="19094272"/>
-            <a:ext cx="4086225" cy="1649479"/>
-          </a:xfrm>
-          <a:prstGeom prst="rect">
-            <a:avLst/>
-          </a:prstGeom>
-          <a:solidFill>
-            <a:srgbClr val="EEEEEE"/>
-          </a:solidFill>
-          <a:ln w="9525">
-            <a:solidFill>
-              <a:schemeClr val="tx1"/>
-            </a:solidFill>
-            <a:miter lim="800000"/>
-            <a:headEnd/>
-            <a:tailEnd/>
-          </a:ln>
-        </p:spPr>
-        <p:txBody>
-          <a:bodyPr wrap="none" anchor="ctr"/>
-          <a:lstStyle/>
-          <a:p>
-            <a:endParaRPr lang="en-US" sz="2627"/>
-          </a:p>
-        </p:txBody>
-      </p:sp>
-      <p:sp>
-        <p:nvSpPr>
-          <p:cNvPr id="14354" name="Text Box 20"/>
-          <p:cNvSpPr txBox="1">
-            <a:spLocks noChangeArrowheads="1"/>
-          </p:cNvSpPr>
-          <p:nvPr/>
-        </p:nvSpPr>
-        <p:spPr bwMode="auto">
-          <a:xfrm>
-            <a:off x="902957" y="20798321"/>
-            <a:ext cx="4086225" cy="656846"/>
-          </a:xfrm>
-          <a:prstGeom prst="rect">
-            <a:avLst/>
-          </a:prstGeom>
-          <a:noFill/>
-          <a:ln>
-            <a:noFill/>
-          </a:ln>
-          <a:extLst>
-            <a:ext uri="{909E8E84-426E-40dd-AFC4-6F175D3DCCD1}">
-              <a14:hiddenFill xmlns:a14="http://schemas.microsoft.com/office/drawing/2010/main" xmlns="">
-                <a:solidFill>
-                  <a:srgbClr val="FFFFFF"/>
-                </a:solidFill>
-              </a14:hiddenFill>
-            </a:ext>
-            <a:ext uri="{91240B29-F687-4f45-9708-019B960494DF}">
-              <a14:hiddenLine xmlns:a14="http://schemas.microsoft.com/office/drawing/2010/main" xmlns="" w="9525">
-                <a:solidFill>
-                  <a:srgbClr val="000000"/>
-                </a:solidFill>
-                <a:miter lim="800000"/>
-                <a:headEnd/>
-                <a:tailEnd/>
-              </a14:hiddenLine>
-            </a:ext>
-          </a:extLst>
-        </p:spPr>
-        <p:txBody>
-          <a:bodyPr wrap="square" lIns="0" rIns="0">
-            <a:spAutoFit/>
-          </a:bodyPr>
-          <a:lstStyle>
-            <a:lvl1pPr eaLnBrk="0" hangingPunct="0">
-              <a:defRPr sz="8600">
-                <a:solidFill>
-                  <a:schemeClr val="tx1"/>
-                </a:solidFill>
-                <a:latin typeface="Arial" charset="0"/>
-                <a:ea typeface="ＭＳ Ｐゴシック" charset="0"/>
-                <a:cs typeface="ＭＳ Ｐゴシック" charset="0"/>
-              </a:defRPr>
-            </a:lvl1pPr>
-            <a:lvl2pPr marL="742950" indent="-285750" eaLnBrk="0" hangingPunct="0">
-              <a:defRPr sz="8600">
-                <a:solidFill>
-                  <a:schemeClr val="tx1"/>
-                </a:solidFill>
-                <a:latin typeface="Arial" charset="0"/>
-                <a:ea typeface="ＭＳ Ｐゴシック" charset="0"/>
-              </a:defRPr>
-            </a:lvl2pPr>
-            <a:lvl3pPr marL="1143000" indent="-228600" eaLnBrk="0" hangingPunct="0">
-              <a:defRPr sz="8600">
-                <a:solidFill>
-                  <a:schemeClr val="tx1"/>
-                </a:solidFill>
-                <a:latin typeface="Arial" charset="0"/>
-                <a:ea typeface="ＭＳ Ｐゴシック" charset="0"/>
-              </a:defRPr>
-            </a:lvl3pPr>
-            <a:lvl4pPr marL="1600200" indent="-228600" eaLnBrk="0" hangingPunct="0">
-              <a:defRPr sz="8600">
-                <a:solidFill>
-                  <a:schemeClr val="tx1"/>
-                </a:solidFill>
-                <a:latin typeface="Arial" charset="0"/>
-                <a:ea typeface="ＭＳ Ｐゴシック" charset="0"/>
-              </a:defRPr>
-            </a:lvl4pPr>
-            <a:lvl5pPr marL="2057400" indent="-228600" eaLnBrk="0" hangingPunct="0">
-              <a:defRPr sz="8600">
-                <a:solidFill>
-                  <a:schemeClr val="tx1"/>
-                </a:solidFill>
-                <a:latin typeface="Arial" charset="0"/>
-                <a:ea typeface="ＭＳ Ｐゴシック" charset="0"/>
-              </a:defRPr>
-            </a:lvl5pPr>
-            <a:lvl6pPr marL="2514600" indent="-228600" defTabSz="2193925" eaLnBrk="0" fontAlgn="base" hangingPunct="0">
-              <a:spcBef>
-                <a:spcPct val="0"/>
-              </a:spcBef>
-              <a:spcAft>
-                <a:spcPct val="0"/>
-              </a:spcAft>
-              <a:defRPr sz="8600">
-                <a:solidFill>
-                  <a:schemeClr val="tx1"/>
-                </a:solidFill>
-                <a:latin typeface="Arial" charset="0"/>
-                <a:ea typeface="ＭＳ Ｐゴシック" charset="0"/>
-              </a:defRPr>
-            </a:lvl6pPr>
-            <a:lvl7pPr marL="2971800" indent="-228600" defTabSz="2193925" eaLnBrk="0" fontAlgn="base" hangingPunct="0">
-              <a:spcBef>
-                <a:spcPct val="0"/>
-              </a:spcBef>
-              <a:spcAft>
-                <a:spcPct val="0"/>
-              </a:spcAft>
-              <a:defRPr sz="8600">
-                <a:solidFill>
-                  <a:schemeClr val="tx1"/>
-                </a:solidFill>
-                <a:latin typeface="Arial" charset="0"/>
-                <a:ea typeface="ＭＳ Ｐゴシック" charset="0"/>
-              </a:defRPr>
-            </a:lvl7pPr>
-            <a:lvl8pPr marL="3429000" indent="-228600" defTabSz="2193925" eaLnBrk="0" fontAlgn="base" hangingPunct="0">
-              <a:spcBef>
-                <a:spcPct val="0"/>
-              </a:spcBef>
-              <a:spcAft>
-                <a:spcPct val="0"/>
-              </a:spcAft>
-              <a:defRPr sz="8600">
-                <a:solidFill>
-                  <a:schemeClr val="tx1"/>
-                </a:solidFill>
-                <a:latin typeface="Arial" charset="0"/>
-                <a:ea typeface="ＭＳ Ｐゴシック" charset="0"/>
-              </a:defRPr>
-            </a:lvl8pPr>
-            <a:lvl9pPr marL="3886200" indent="-228600" defTabSz="2193925" eaLnBrk="0" fontAlgn="base" hangingPunct="0">
-              <a:spcBef>
-                <a:spcPct val="0"/>
-              </a:spcBef>
-              <a:spcAft>
-                <a:spcPct val="0"/>
-              </a:spcAft>
-              <a:defRPr sz="8600">
-                <a:solidFill>
-                  <a:schemeClr val="tx1"/>
-                </a:solidFill>
-                <a:latin typeface="Arial" charset="0"/>
-                <a:ea typeface="ＭＳ Ｐゴシック" charset="0"/>
-              </a:defRPr>
-            </a:lvl9pPr>
-          </a:lstStyle>
-          <a:p>
-            <a:pPr eaLnBrk="1" hangingPunct="1"/>
-            <a:r>
-              <a:rPr lang="en-AU" sz="917" i="1"/>
-              <a:t>Captions set in a serif style font such as Times, 18 to 24 size, italic style. </a:t>
-            </a:r>
-          </a:p>
-          <a:p>
-            <a:pPr eaLnBrk="1" hangingPunct="1"/>
-            <a:endParaRPr lang="en-AU" sz="917" i="1"/>
-          </a:p>
-          <a:p>
-            <a:pPr eaLnBrk="1" hangingPunct="1"/>
-            <a:r>
-              <a:rPr lang="en-US" sz="917" i="1"/>
-              <a:t>Duis autem vel eum iriure dolor in hendrerit in vulputate velit esse molestie consequat.</a:t>
-            </a:r>
-            <a:endParaRPr lang="en-AU" sz="917" i="1"/>
-          </a:p>
-        </p:txBody>
-      </p:sp>
-      <p:sp>
-        <p:nvSpPr>
-          <p:cNvPr id="14355" name="Rectangle 21"/>
-          <p:cNvSpPr>
-            <a:spLocks noChangeArrowheads="1"/>
-          </p:cNvSpPr>
-          <p:nvPr/>
-        </p:nvSpPr>
-        <p:spPr bwMode="auto">
-          <a:xfrm>
-            <a:off x="902957" y="15174669"/>
-            <a:ext cx="2474582" cy="1649478"/>
-          </a:xfrm>
-          <a:prstGeom prst="rect">
-            <a:avLst/>
-          </a:prstGeom>
-          <a:solidFill>
-            <a:srgbClr val="EEEEEE"/>
-          </a:solidFill>
-          <a:ln w="9525">
-            <a:solidFill>
-              <a:schemeClr val="tx1"/>
-            </a:solidFill>
-            <a:miter lim="800000"/>
-            <a:headEnd/>
-            <a:tailEnd/>
-          </a:ln>
-        </p:spPr>
-        <p:txBody>
-          <a:bodyPr wrap="none" anchor="ctr"/>
-          <a:lstStyle/>
-          <a:p>
-            <a:endParaRPr lang="en-US" sz="2627"/>
-          </a:p>
-        </p:txBody>
-      </p:sp>
-      <p:sp>
-        <p:nvSpPr>
-          <p:cNvPr id="14356" name="Text Box 22"/>
-          <p:cNvSpPr txBox="1">
-            <a:spLocks noChangeArrowheads="1"/>
-          </p:cNvSpPr>
-          <p:nvPr/>
-        </p:nvSpPr>
-        <p:spPr bwMode="auto">
-          <a:xfrm>
-            <a:off x="3382632" y="15080080"/>
-            <a:ext cx="1606550" cy="1295638"/>
-          </a:xfrm>
-          <a:prstGeom prst="rect">
-            <a:avLst/>
-          </a:prstGeom>
-          <a:noFill/>
-          <a:ln>
-            <a:noFill/>
-          </a:ln>
-          <a:extLst>
-            <a:ext uri="{909E8E84-426E-40dd-AFC4-6F175D3DCCD1}">
-              <a14:hiddenFill xmlns:a14="http://schemas.microsoft.com/office/drawing/2010/main" xmlns="">
-                <a:solidFill>
-                  <a:srgbClr val="FFFFFF"/>
-                </a:solidFill>
-              </a14:hiddenFill>
-            </a:ext>
-            <a:ext uri="{91240B29-F687-4f45-9708-019B960494DF}">
-              <a14:hiddenLine xmlns:a14="http://schemas.microsoft.com/office/drawing/2010/main" xmlns="" w="9525">
-                <a:solidFill>
-                  <a:srgbClr val="000000"/>
-                </a:solidFill>
-                <a:miter lim="800000"/>
-                <a:headEnd/>
-                <a:tailEnd/>
-              </a14:hiddenLine>
-            </a:ext>
-          </a:extLst>
-        </p:spPr>
-        <p:txBody>
-          <a:bodyPr wrap="square" lIns="82500" tIns="82500" rIns="82500" bIns="82500">
-            <a:spAutoFit/>
-          </a:bodyPr>
-          <a:lstStyle>
-            <a:lvl1pPr eaLnBrk="0" hangingPunct="0">
-              <a:defRPr sz="8600">
-                <a:solidFill>
-                  <a:schemeClr val="tx1"/>
-                </a:solidFill>
-                <a:latin typeface="Arial" charset="0"/>
-                <a:ea typeface="ＭＳ Ｐゴシック" charset="0"/>
-                <a:cs typeface="ＭＳ Ｐゴシック" charset="0"/>
-              </a:defRPr>
-            </a:lvl1pPr>
-            <a:lvl2pPr marL="742950" indent="-285750" eaLnBrk="0" hangingPunct="0">
-              <a:defRPr sz="8600">
-                <a:solidFill>
-                  <a:schemeClr val="tx1"/>
-                </a:solidFill>
-                <a:latin typeface="Arial" charset="0"/>
-                <a:ea typeface="ＭＳ Ｐゴシック" charset="0"/>
-              </a:defRPr>
-            </a:lvl2pPr>
-            <a:lvl3pPr marL="1143000" indent="-228600" eaLnBrk="0" hangingPunct="0">
-              <a:defRPr sz="8600">
-                <a:solidFill>
-                  <a:schemeClr val="tx1"/>
-                </a:solidFill>
-                <a:latin typeface="Arial" charset="0"/>
-                <a:ea typeface="ＭＳ Ｐゴシック" charset="0"/>
-              </a:defRPr>
-            </a:lvl3pPr>
-            <a:lvl4pPr marL="1600200" indent="-228600" eaLnBrk="0" hangingPunct="0">
-              <a:defRPr sz="8600">
-                <a:solidFill>
-                  <a:schemeClr val="tx1"/>
-                </a:solidFill>
-                <a:latin typeface="Arial" charset="0"/>
-                <a:ea typeface="ＭＳ Ｐゴシック" charset="0"/>
-              </a:defRPr>
-            </a:lvl4pPr>
-            <a:lvl5pPr marL="2057400" indent="-228600" eaLnBrk="0" hangingPunct="0">
-              <a:defRPr sz="8600">
-                <a:solidFill>
-                  <a:schemeClr val="tx1"/>
-                </a:solidFill>
-                <a:latin typeface="Arial" charset="0"/>
-                <a:ea typeface="ＭＳ Ｐゴシック" charset="0"/>
-              </a:defRPr>
-            </a:lvl5pPr>
-            <a:lvl6pPr marL="2514600" indent="-228600" defTabSz="2193925" eaLnBrk="0" fontAlgn="base" hangingPunct="0">
-              <a:spcBef>
-                <a:spcPct val="0"/>
-              </a:spcBef>
-              <a:spcAft>
-                <a:spcPct val="0"/>
-              </a:spcAft>
-              <a:defRPr sz="8600">
-                <a:solidFill>
-                  <a:schemeClr val="tx1"/>
-                </a:solidFill>
-                <a:latin typeface="Arial" charset="0"/>
-                <a:ea typeface="ＭＳ Ｐゴシック" charset="0"/>
-              </a:defRPr>
-            </a:lvl6pPr>
-            <a:lvl7pPr marL="2971800" indent="-228600" defTabSz="2193925" eaLnBrk="0" fontAlgn="base" hangingPunct="0">
-              <a:spcBef>
-                <a:spcPct val="0"/>
-              </a:spcBef>
-              <a:spcAft>
-                <a:spcPct val="0"/>
-              </a:spcAft>
-              <a:defRPr sz="8600">
-                <a:solidFill>
-                  <a:schemeClr val="tx1"/>
-                </a:solidFill>
-                <a:latin typeface="Arial" charset="0"/>
-                <a:ea typeface="ＭＳ Ｐゴシック" charset="0"/>
-              </a:defRPr>
-            </a:lvl7pPr>
-            <a:lvl8pPr marL="3429000" indent="-228600" defTabSz="2193925" eaLnBrk="0" fontAlgn="base" hangingPunct="0">
-              <a:spcBef>
-                <a:spcPct val="0"/>
-              </a:spcBef>
-              <a:spcAft>
-                <a:spcPct val="0"/>
-              </a:spcAft>
-              <a:defRPr sz="8600">
-                <a:solidFill>
-                  <a:schemeClr val="tx1"/>
-                </a:solidFill>
-                <a:latin typeface="Arial" charset="0"/>
-                <a:ea typeface="ＭＳ Ｐゴシック" charset="0"/>
-              </a:defRPr>
-            </a:lvl8pPr>
-            <a:lvl9pPr marL="3886200" indent="-228600" defTabSz="2193925" eaLnBrk="0" fontAlgn="base" hangingPunct="0">
-              <a:spcBef>
-                <a:spcPct val="0"/>
-              </a:spcBef>
-              <a:spcAft>
-                <a:spcPct val="0"/>
-              </a:spcAft>
-              <a:defRPr sz="8600">
-                <a:solidFill>
-                  <a:schemeClr val="tx1"/>
-                </a:solidFill>
-                <a:latin typeface="Arial" charset="0"/>
-                <a:ea typeface="ＭＳ Ｐゴシック" charset="0"/>
-              </a:defRPr>
-            </a:lvl9pPr>
-          </a:lstStyle>
-          <a:p>
-            <a:pPr eaLnBrk="1" hangingPunct="1"/>
-            <a:r>
-              <a:rPr lang="en-AU" sz="917" i="1"/>
-              <a:t>Captions set in a serif style font such as Times, 18 to 24 size, italic style. </a:t>
-            </a:r>
-          </a:p>
-          <a:p>
-            <a:pPr eaLnBrk="1" hangingPunct="1"/>
-            <a:endParaRPr lang="en-AU" sz="917" i="1"/>
-          </a:p>
-          <a:p>
-            <a:pPr eaLnBrk="1" hangingPunct="1"/>
-            <a:r>
-              <a:rPr lang="en-US" sz="917" i="1"/>
-              <a:t>Duis autem vel eum iriure dolor in hendrerit in vulputate velit esse molestie consequat.</a:t>
-            </a:r>
-            <a:endParaRPr lang="en-AU" sz="917" i="1"/>
-          </a:p>
-        </p:txBody>
-      </p:sp>
-      <p:sp>
-        <p:nvSpPr>
-          <p:cNvPr id="14357" name="Rectangle 21"/>
-          <p:cNvSpPr>
-            <a:spLocks noChangeArrowheads="1"/>
-          </p:cNvSpPr>
-          <p:nvPr/>
-        </p:nvSpPr>
-        <p:spPr bwMode="auto">
-          <a:xfrm>
-            <a:off x="6939293" y="15140539"/>
-            <a:ext cx="2474582" cy="1649478"/>
-          </a:xfrm>
-          <a:prstGeom prst="rect">
-            <a:avLst/>
-          </a:prstGeom>
-          <a:solidFill>
-            <a:srgbClr val="EEEEEE"/>
-          </a:solidFill>
-          <a:ln w="9525">
-            <a:solidFill>
-              <a:schemeClr val="tx1"/>
-            </a:solidFill>
-            <a:miter lim="800000"/>
-            <a:headEnd/>
-            <a:tailEnd/>
-          </a:ln>
-        </p:spPr>
-        <p:txBody>
-          <a:bodyPr wrap="none" anchor="ctr"/>
-          <a:lstStyle/>
-          <a:p>
-            <a:endParaRPr lang="en-US" sz="2627"/>
-          </a:p>
-        </p:txBody>
-      </p:sp>
-      <p:sp>
-        <p:nvSpPr>
-          <p:cNvPr id="14358" name="Text Box 22"/>
-          <p:cNvSpPr txBox="1">
-            <a:spLocks noChangeArrowheads="1"/>
-          </p:cNvSpPr>
-          <p:nvPr/>
-        </p:nvSpPr>
-        <p:spPr bwMode="auto">
-          <a:xfrm>
-            <a:off x="9418968" y="15045950"/>
-            <a:ext cx="1606550" cy="1295638"/>
-          </a:xfrm>
-          <a:prstGeom prst="rect">
-            <a:avLst/>
-          </a:prstGeom>
-          <a:noFill/>
-          <a:ln>
-            <a:noFill/>
-          </a:ln>
-          <a:extLst>
-            <a:ext uri="{909E8E84-426E-40dd-AFC4-6F175D3DCCD1}">
-              <a14:hiddenFill xmlns:a14="http://schemas.microsoft.com/office/drawing/2010/main" xmlns="">
-                <a:solidFill>
-                  <a:srgbClr val="FFFFFF"/>
-                </a:solidFill>
-              </a14:hiddenFill>
-            </a:ext>
-            <a:ext uri="{91240B29-F687-4f45-9708-019B960494DF}">
-              <a14:hiddenLine xmlns:a14="http://schemas.microsoft.com/office/drawing/2010/main" xmlns="" w="9525">
-                <a:solidFill>
-                  <a:srgbClr val="000000"/>
-                </a:solidFill>
-                <a:miter lim="800000"/>
-                <a:headEnd/>
-                <a:tailEnd/>
-              </a14:hiddenLine>
-            </a:ext>
-          </a:extLst>
-        </p:spPr>
-        <p:txBody>
-          <a:bodyPr lIns="82500" tIns="82500" rIns="82500" bIns="82500">
-            <a:spAutoFit/>
-          </a:bodyPr>
-          <a:lstStyle>
-            <a:lvl1pPr eaLnBrk="0" hangingPunct="0">
-              <a:defRPr sz="8600">
-                <a:solidFill>
-                  <a:schemeClr val="tx1"/>
-                </a:solidFill>
-                <a:latin typeface="Arial" charset="0"/>
-                <a:ea typeface="ＭＳ Ｐゴシック" charset="0"/>
-                <a:cs typeface="ＭＳ Ｐゴシック" charset="0"/>
-              </a:defRPr>
-            </a:lvl1pPr>
-            <a:lvl2pPr marL="742950" indent="-285750" eaLnBrk="0" hangingPunct="0">
-              <a:defRPr sz="8600">
-                <a:solidFill>
-                  <a:schemeClr val="tx1"/>
-                </a:solidFill>
-                <a:latin typeface="Arial" charset="0"/>
-                <a:ea typeface="ＭＳ Ｐゴシック" charset="0"/>
-              </a:defRPr>
-            </a:lvl2pPr>
-            <a:lvl3pPr marL="1143000" indent="-228600" eaLnBrk="0" hangingPunct="0">
-              <a:defRPr sz="8600">
-                <a:solidFill>
-                  <a:schemeClr val="tx1"/>
-                </a:solidFill>
-                <a:latin typeface="Arial" charset="0"/>
-                <a:ea typeface="ＭＳ Ｐゴシック" charset="0"/>
-              </a:defRPr>
-            </a:lvl3pPr>
-            <a:lvl4pPr marL="1600200" indent="-228600" eaLnBrk="0" hangingPunct="0">
-              <a:defRPr sz="8600">
-                <a:solidFill>
-                  <a:schemeClr val="tx1"/>
-                </a:solidFill>
-                <a:latin typeface="Arial" charset="0"/>
-                <a:ea typeface="ＭＳ Ｐゴシック" charset="0"/>
-              </a:defRPr>
-            </a:lvl4pPr>
-            <a:lvl5pPr marL="2057400" indent="-228600" eaLnBrk="0" hangingPunct="0">
-              <a:defRPr sz="8600">
-                <a:solidFill>
-                  <a:schemeClr val="tx1"/>
-                </a:solidFill>
-                <a:latin typeface="Arial" charset="0"/>
-                <a:ea typeface="ＭＳ Ｐゴシック" charset="0"/>
-              </a:defRPr>
-            </a:lvl5pPr>
-            <a:lvl6pPr marL="2514600" indent="-228600" defTabSz="2193925" eaLnBrk="0" fontAlgn="base" hangingPunct="0">
-              <a:spcBef>
-                <a:spcPct val="0"/>
-              </a:spcBef>
-              <a:spcAft>
-                <a:spcPct val="0"/>
-              </a:spcAft>
-              <a:defRPr sz="8600">
-                <a:solidFill>
-                  <a:schemeClr val="tx1"/>
-                </a:solidFill>
-                <a:latin typeface="Arial" charset="0"/>
-                <a:ea typeface="ＭＳ Ｐゴシック" charset="0"/>
-              </a:defRPr>
-            </a:lvl6pPr>
-            <a:lvl7pPr marL="2971800" indent="-228600" defTabSz="2193925" eaLnBrk="0" fontAlgn="base" hangingPunct="0">
-              <a:spcBef>
-                <a:spcPct val="0"/>
-              </a:spcBef>
-              <a:spcAft>
-                <a:spcPct val="0"/>
-              </a:spcAft>
-              <a:defRPr sz="8600">
-                <a:solidFill>
-                  <a:schemeClr val="tx1"/>
-                </a:solidFill>
-                <a:latin typeface="Arial" charset="0"/>
-                <a:ea typeface="ＭＳ Ｐゴシック" charset="0"/>
-              </a:defRPr>
-            </a:lvl7pPr>
-            <a:lvl8pPr marL="3429000" indent="-228600" defTabSz="2193925" eaLnBrk="0" fontAlgn="base" hangingPunct="0">
-              <a:spcBef>
-                <a:spcPct val="0"/>
-              </a:spcBef>
-              <a:spcAft>
-                <a:spcPct val="0"/>
-              </a:spcAft>
-              <a:defRPr sz="8600">
-                <a:solidFill>
-                  <a:schemeClr val="tx1"/>
-                </a:solidFill>
-                <a:latin typeface="Arial" charset="0"/>
-                <a:ea typeface="ＭＳ Ｐゴシック" charset="0"/>
-              </a:defRPr>
-            </a:lvl8pPr>
-            <a:lvl9pPr marL="3886200" indent="-228600" defTabSz="2193925" eaLnBrk="0" fontAlgn="base" hangingPunct="0">
-              <a:spcBef>
-                <a:spcPct val="0"/>
-              </a:spcBef>
-              <a:spcAft>
-                <a:spcPct val="0"/>
-              </a:spcAft>
-              <a:defRPr sz="8600">
-                <a:solidFill>
-                  <a:schemeClr val="tx1"/>
-                </a:solidFill>
-                <a:latin typeface="Arial" charset="0"/>
-                <a:ea typeface="ＭＳ Ｐゴシック" charset="0"/>
-              </a:defRPr>
-            </a:lvl9pPr>
-          </a:lstStyle>
-          <a:p>
-            <a:pPr eaLnBrk="1" hangingPunct="1"/>
-            <a:r>
-              <a:rPr lang="en-AU" sz="917" i="1" dirty="0"/>
-              <a:t>Captions set in a serif style font such as Times, 18 to 24 size, italic style. </a:t>
-            </a:r>
-          </a:p>
-          <a:p>
-            <a:pPr eaLnBrk="1" hangingPunct="1"/>
-            <a:endParaRPr lang="en-AU" sz="917" i="1" dirty="0"/>
-          </a:p>
-          <a:p>
-            <a:pPr eaLnBrk="1" hangingPunct="1"/>
-            <a:r>
-              <a:rPr lang="en-US" sz="917" i="1" dirty="0"/>
-              <a:t>Duis </a:t>
-            </a:r>
-            <a:r>
-              <a:rPr lang="en-US" sz="917" i="1" dirty="0" err="1"/>
-              <a:t>autem</a:t>
-            </a:r>
-            <a:r>
-              <a:rPr lang="en-US" sz="917" i="1" dirty="0"/>
-              <a:t> vel </a:t>
-            </a:r>
-            <a:r>
-              <a:rPr lang="en-US" sz="917" i="1" dirty="0" err="1"/>
-              <a:t>eum</a:t>
-            </a:r>
-            <a:r>
-              <a:rPr lang="en-US" sz="917" i="1" dirty="0"/>
-              <a:t> </a:t>
-            </a:r>
-            <a:r>
-              <a:rPr lang="en-US" sz="917" i="1" dirty="0" err="1"/>
-              <a:t>iriure</a:t>
-            </a:r>
-            <a:r>
-              <a:rPr lang="en-US" sz="917" i="1" dirty="0"/>
-              <a:t> dolor in </a:t>
-            </a:r>
-            <a:r>
-              <a:rPr lang="en-US" sz="917" i="1" dirty="0" err="1"/>
-              <a:t>hendrerit</a:t>
-            </a:r>
-            <a:r>
-              <a:rPr lang="en-US" sz="917" i="1" dirty="0"/>
-              <a:t> in </a:t>
-            </a:r>
-            <a:r>
-              <a:rPr lang="en-US" sz="917" i="1" dirty="0" err="1"/>
-              <a:t>vulputate</a:t>
-            </a:r>
-            <a:r>
-              <a:rPr lang="en-US" sz="917" i="1" dirty="0"/>
-              <a:t> </a:t>
-            </a:r>
-            <a:r>
-              <a:rPr lang="en-US" sz="917" i="1" dirty="0" err="1"/>
-              <a:t>velit</a:t>
-            </a:r>
-            <a:r>
-              <a:rPr lang="en-US" sz="917" i="1" dirty="0"/>
-              <a:t> </a:t>
-            </a:r>
-            <a:r>
-              <a:rPr lang="en-US" sz="917" i="1" dirty="0" err="1"/>
-              <a:t>esse</a:t>
-            </a:r>
-            <a:r>
-              <a:rPr lang="en-US" sz="917" i="1" dirty="0"/>
-              <a:t> </a:t>
-            </a:r>
-            <a:r>
-              <a:rPr lang="en-US" sz="917" i="1" dirty="0" err="1"/>
-              <a:t>molestie</a:t>
-            </a:r>
-            <a:r>
-              <a:rPr lang="en-US" sz="917" i="1" dirty="0"/>
-              <a:t> </a:t>
-            </a:r>
-            <a:r>
-              <a:rPr lang="en-US" sz="917" i="1" dirty="0" err="1"/>
-              <a:t>consequat</a:t>
-            </a:r>
-            <a:r>
-              <a:rPr lang="en-US" sz="917" i="1" dirty="0"/>
-              <a:t>.</a:t>
-            </a:r>
-            <a:endParaRPr lang="en-AU" sz="917" i="1" dirty="0"/>
           </a:p>
         </p:txBody>
       </p:sp>
@@ -6129,7 +4828,7 @@
           <p:nvPr/>
         </p:nvPicPr>
         <p:blipFill>
-          <a:blip r:embed="rId5">
+          <a:blip r:embed="rId2">
             <a:extLst>
               <a:ext uri="{28A0092B-C50C-407E-A947-70E740481C1C}">
                 <a14:useLocalDpi xmlns:a14="http://schemas.microsoft.com/office/drawing/2010/main" val="0"/>
@@ -6142,7 +4841,7 @@
         </p:blipFill>
         <p:spPr>
           <a:xfrm>
-            <a:off x="13765644" y="19953926"/>
+            <a:off x="16744950" y="29828588"/>
             <a:ext cx="2630813" cy="456644"/>
           </a:xfrm>
           <a:prstGeom prst="rect">
@@ -6150,6 +4849,289 @@
           </a:prstGeom>
         </p:spPr>
       </p:pic>
+      <p:pic>
+        <p:nvPicPr>
+          <p:cNvPr id="4" name="Picture 3" descr="A picture containing photo, sitting, game, table&#10;&#10;Description automatically generated">
+            <a:extLst>
+              <a:ext uri="{FF2B5EF4-FFF2-40B4-BE49-F238E27FC236}">
+                <a16:creationId xmlns:a16="http://schemas.microsoft.com/office/drawing/2014/main" id="{3C6D720C-0E89-4F5F-B9DB-645234E322A7}"/>
+              </a:ext>
+            </a:extLst>
+          </p:cNvPr>
+          <p:cNvPicPr>
+            <a:picLocks noChangeAspect="1"/>
+          </p:cNvPicPr>
+          <p:nvPr/>
+        </p:nvPicPr>
+        <p:blipFill>
+          <a:blip r:embed="rId3"/>
+          <a:stretch>
+            <a:fillRect/>
+          </a:stretch>
+        </p:blipFill>
+        <p:spPr>
+          <a:xfrm>
+            <a:off x="1870702" y="5747906"/>
+            <a:ext cx="6656058" cy="3919606"/>
+          </a:xfrm>
+          <a:prstGeom prst="rect">
+            <a:avLst/>
+          </a:prstGeom>
+        </p:spPr>
+      </p:pic>
+      <p:sp>
+        <p:nvSpPr>
+          <p:cNvPr id="5" name="TextBox 4">
+            <a:extLst>
+              <a:ext uri="{FF2B5EF4-FFF2-40B4-BE49-F238E27FC236}">
+                <a16:creationId xmlns:a16="http://schemas.microsoft.com/office/drawing/2014/main" id="{C0E61C70-4A59-4614-BABD-D525B984BE7A}"/>
+              </a:ext>
+            </a:extLst>
+          </p:cNvPr>
+          <p:cNvSpPr txBox="1"/>
+          <p:nvPr/>
+        </p:nvSpPr>
+        <p:spPr>
+          <a:xfrm>
+            <a:off x="1447800" y="9736730"/>
+            <a:ext cx="7467600" cy="923330"/>
+          </a:xfrm>
+          <a:prstGeom prst="rect">
+            <a:avLst/>
+          </a:prstGeom>
+          <a:noFill/>
+        </p:spPr>
+        <p:txBody>
+          <a:bodyPr wrap="square" rtlCol="0">
+            <a:spAutoFit/>
+          </a:bodyPr>
+          <a:lstStyle/>
+          <a:p>
+            <a:r>
+              <a:rPr lang="en-US" sz="1800" i="1" dirty="0">
+                <a:latin typeface="Georgia" charset="0"/>
+              </a:rPr>
+              <a:t>Figure 1. A male and a female talking and walking in a room, with a pair of microphones recording sound.  This is also the setup of our simulator which generates delayed and mixed sounds with reflections. </a:t>
+            </a:r>
+          </a:p>
+        </p:txBody>
+      </p:sp>
+      <p:pic>
+        <p:nvPicPr>
+          <p:cNvPr id="7" name="Picture 6">
+            <a:extLst>
+              <a:ext uri="{FF2B5EF4-FFF2-40B4-BE49-F238E27FC236}">
+                <a16:creationId xmlns:a16="http://schemas.microsoft.com/office/drawing/2014/main" id="{231E8850-FD1E-4170-817B-B7885BECC305}"/>
+              </a:ext>
+            </a:extLst>
+          </p:cNvPr>
+          <p:cNvPicPr>
+            <a:picLocks noChangeAspect="1"/>
+          </p:cNvPicPr>
+          <p:nvPr/>
+        </p:nvPicPr>
+        <p:blipFill>
+          <a:blip r:embed="rId4"/>
+          <a:srcRect/>
+          <a:stretch/>
+        </p:blipFill>
+        <p:spPr>
+          <a:xfrm>
+            <a:off x="1066800" y="13024188"/>
+            <a:ext cx="7608423" cy="4160497"/>
+          </a:xfrm>
+          <a:prstGeom prst="rect">
+            <a:avLst/>
+          </a:prstGeom>
+        </p:spPr>
+      </p:pic>
+      <p:sp>
+        <p:nvSpPr>
+          <p:cNvPr id="26" name="TextBox 25">
+            <a:extLst>
+              <a:ext uri="{FF2B5EF4-FFF2-40B4-BE49-F238E27FC236}">
+                <a16:creationId xmlns:a16="http://schemas.microsoft.com/office/drawing/2014/main" id="{5FE7A7E6-1FDE-4AA0-BD73-008AFA673E8D}"/>
+              </a:ext>
+            </a:extLst>
+          </p:cNvPr>
+          <p:cNvSpPr txBox="1"/>
+          <p:nvPr/>
+        </p:nvSpPr>
+        <p:spPr>
+          <a:xfrm>
+            <a:off x="2743200" y="17304819"/>
+            <a:ext cx="3944719" cy="369332"/>
+          </a:xfrm>
+          <a:prstGeom prst="rect">
+            <a:avLst/>
+          </a:prstGeom>
+          <a:noFill/>
+        </p:spPr>
+        <p:txBody>
+          <a:bodyPr wrap="square" rtlCol="0">
+            <a:spAutoFit/>
+          </a:bodyPr>
+          <a:lstStyle/>
+          <a:p>
+            <a:r>
+              <a:rPr lang="en-US" sz="1800" i="1" dirty="0">
+                <a:latin typeface="Georgia" charset="0"/>
+              </a:rPr>
+              <a:t>Figure 2. Overview of our method.</a:t>
+            </a:r>
+          </a:p>
+        </p:txBody>
+      </p:sp>
+      <p:sp>
+        <p:nvSpPr>
+          <p:cNvPr id="27" name="Rectangle 7">
+            <a:extLst>
+              <a:ext uri="{FF2B5EF4-FFF2-40B4-BE49-F238E27FC236}">
+                <a16:creationId xmlns:a16="http://schemas.microsoft.com/office/drawing/2014/main" id="{58E9795E-167D-4D4B-A8B4-E1282DE2B8E0}"/>
+              </a:ext>
+            </a:extLst>
+          </p:cNvPr>
+          <p:cNvSpPr>
+            <a:spLocks noChangeArrowheads="1"/>
+          </p:cNvSpPr>
+          <p:nvPr/>
+        </p:nvSpPr>
+        <p:spPr bwMode="auto">
+          <a:xfrm>
+            <a:off x="10096500" y="28223027"/>
+            <a:ext cx="9182100" cy="861581"/>
+          </a:xfrm>
+          <a:prstGeom prst="rect">
+            <a:avLst/>
+          </a:prstGeom>
+          <a:solidFill>
+            <a:schemeClr val="bg1"/>
+          </a:solidFill>
+          <a:ln>
+            <a:noFill/>
+          </a:ln>
+          <a:extLst>
+            <a:ext uri="{91240B29-F687-4f45-9708-019B960494DF}">
+              <a14:hiddenLine xmlns="" xmlns:a14="http://schemas.microsoft.com/office/drawing/2010/main" w="9525">
+                <a:solidFill>
+                  <a:srgbClr val="000000"/>
+                </a:solidFill>
+                <a:miter lim="800000"/>
+                <a:headEnd/>
+                <a:tailEnd/>
+              </a14:hiddenLine>
+            </a:ext>
+          </a:extLst>
+        </p:spPr>
+        <p:txBody>
+          <a:bodyPr lIns="165000" tIns="165000" rIns="165000" bIns="165000"/>
+          <a:lstStyle/>
+          <a:p>
+            <a:pPr marL="174612" indent="-174612">
+              <a:spcBef>
+                <a:spcPct val="50000"/>
+              </a:spcBef>
+            </a:pPr>
+            <a:r>
+              <a:rPr lang="en-US" sz="1800" dirty="0"/>
+              <a:t>[1] </a:t>
+            </a:r>
+            <a:r>
+              <a:rPr lang="en-US" sz="1800" dirty="0" err="1"/>
+              <a:t>Smaragdis</a:t>
+            </a:r>
+            <a:r>
+              <a:rPr lang="en-US" sz="1800" dirty="0"/>
+              <a:t>, Paris. "Blind separation of convolved mixtures in the frequency domain." </a:t>
+            </a:r>
+            <a:r>
+              <a:rPr lang="en-US" sz="1800" i="1" dirty="0"/>
+              <a:t>Neurocomputing</a:t>
+            </a:r>
+            <a:r>
+              <a:rPr lang="en-US" sz="1800" dirty="0"/>
+              <a:t> 22.1-3 (1998): 21-34.</a:t>
+            </a:r>
+            <a:endParaRPr lang="en-US" sz="1800" dirty="0">
+              <a:latin typeface="Georgia" charset="0"/>
+            </a:endParaRPr>
+          </a:p>
+        </p:txBody>
+      </p:sp>
+      <p:sp>
+        <p:nvSpPr>
+          <p:cNvPr id="28" name="TextBox 27">
+            <a:extLst>
+              <a:ext uri="{FF2B5EF4-FFF2-40B4-BE49-F238E27FC236}">
+                <a16:creationId xmlns:a16="http://schemas.microsoft.com/office/drawing/2014/main" id="{359408A5-D6E7-4DC3-8376-10D62F4BE79B}"/>
+              </a:ext>
+            </a:extLst>
+          </p:cNvPr>
+          <p:cNvSpPr txBox="1"/>
+          <p:nvPr/>
+        </p:nvSpPr>
+        <p:spPr>
+          <a:xfrm>
+            <a:off x="11811000" y="8469868"/>
+            <a:ext cx="6829963" cy="369332"/>
+          </a:xfrm>
+          <a:prstGeom prst="rect">
+            <a:avLst/>
+          </a:prstGeom>
+          <a:noFill/>
+        </p:spPr>
+        <p:txBody>
+          <a:bodyPr wrap="square" rtlCol="0">
+            <a:spAutoFit/>
+          </a:bodyPr>
+          <a:lstStyle/>
+          <a:p>
+            <a:r>
+              <a:rPr lang="en-US" sz="1800" i="1" dirty="0">
+                <a:latin typeface="Georgia" charset="0"/>
+              </a:rPr>
+              <a:t>Figure 3. Ground truth, mixed and separated signals.</a:t>
+            </a:r>
+          </a:p>
+        </p:txBody>
+      </p:sp>
+      <p:sp>
+        <p:nvSpPr>
+          <p:cNvPr id="29" name="TextBox 28">
+            <a:extLst>
+              <a:ext uri="{FF2B5EF4-FFF2-40B4-BE49-F238E27FC236}">
+                <a16:creationId xmlns:a16="http://schemas.microsoft.com/office/drawing/2014/main" id="{ED60B0C2-788C-4701-8DC0-F7F4AF96F9C0}"/>
+              </a:ext>
+            </a:extLst>
+          </p:cNvPr>
+          <p:cNvSpPr txBox="1"/>
+          <p:nvPr/>
+        </p:nvSpPr>
+        <p:spPr>
+          <a:xfrm>
+            <a:off x="11810999" y="12781003"/>
+            <a:ext cx="6829963" cy="369332"/>
+          </a:xfrm>
+          <a:prstGeom prst="rect">
+            <a:avLst/>
+          </a:prstGeom>
+          <a:noFill/>
+        </p:spPr>
+        <p:txBody>
+          <a:bodyPr wrap="square" rtlCol="0">
+            <a:spAutoFit/>
+          </a:bodyPr>
+          <a:lstStyle/>
+          <a:p>
+            <a:r>
+              <a:rPr lang="en-US" sz="1800" i="1" dirty="0">
+                <a:latin typeface="Georgia" charset="0"/>
+              </a:rPr>
+              <a:t>Figure 4. The tracking error overtime.</a:t>
+            </a:r>
+          </a:p>
+        </p:txBody>
+      </p:sp>
     </p:spTree>
   </p:cSld>
   <p:clrMapOvr>

--- a/poster.pptx
+++ b/poster.pptx
@@ -3853,6 +3853,102 @@
       </p:grpSpPr>
       <p:sp>
         <p:nvSpPr>
+          <p:cNvPr id="34" name="Rectangle 51">
+            <a:extLst>
+              <a:ext uri="{FF2B5EF4-FFF2-40B4-BE49-F238E27FC236}">
+                <a16:creationId xmlns:a16="http://schemas.microsoft.com/office/drawing/2014/main" id="{B6843990-5523-40C1-984D-DAE007982AC4}"/>
+              </a:ext>
+            </a:extLst>
+          </p:cNvPr>
+          <p:cNvSpPr>
+            <a:spLocks noChangeArrowheads="1"/>
+          </p:cNvSpPr>
+          <p:nvPr/>
+        </p:nvSpPr>
+        <p:spPr bwMode="auto">
+          <a:xfrm>
+            <a:off x="9982200" y="9829800"/>
+            <a:ext cx="9619712" cy="15392400"/>
+          </a:xfrm>
+          <a:prstGeom prst="rect">
+            <a:avLst/>
+          </a:prstGeom>
+          <a:solidFill>
+            <a:schemeClr val="bg1"/>
+          </a:solidFill>
+          <a:ln>
+            <a:noFill/>
+          </a:ln>
+          <a:extLst>
+            <a:ext uri="{91240B29-F687-4f45-9708-019B960494DF}">
+              <a14:hiddenLine xmlns="" xmlns:a14="http://schemas.microsoft.com/office/drawing/2010/main" w="9525">
+                <a:solidFill>
+                  <a:srgbClr val="000000"/>
+                </a:solidFill>
+                <a:miter lim="800000"/>
+                <a:headEnd/>
+                <a:tailEnd/>
+              </a14:hiddenLine>
+            </a:ext>
+          </a:extLst>
+        </p:spPr>
+        <p:txBody>
+          <a:bodyPr lIns="165000" tIns="165000" rIns="165000" bIns="165000"/>
+          <a:lstStyle/>
+          <a:p>
+            <a:pPr>
+              <a:spcBef>
+                <a:spcPct val="50000"/>
+              </a:spcBef>
+            </a:pPr>
+            <a:r>
+              <a:rPr lang="en-GB" sz="2400" b="1" u="sng" dirty="0">
+                <a:solidFill>
+                  <a:schemeClr val="tx2"/>
+                </a:solidFill>
+              </a:rPr>
+              <a:t>RESULTS</a:t>
+            </a:r>
+            <a:endParaRPr lang="en-GB" sz="2400" b="1" dirty="0">
+              <a:solidFill>
+                <a:srgbClr val="CC3300"/>
+              </a:solidFill>
+            </a:endParaRPr>
+          </a:p>
+          <a:p>
+            <a:endParaRPr lang="en-US" sz="1283" dirty="0">
+              <a:latin typeface="Georgia" charset="0"/>
+              <a:cs typeface="Georgia" charset="0"/>
+            </a:endParaRPr>
+          </a:p>
+          <a:p>
+            <a:pPr>
+              <a:spcBef>
+                <a:spcPct val="50000"/>
+              </a:spcBef>
+            </a:pPr>
+            <a:endParaRPr lang="en-US" sz="1833" b="1" dirty="0">
+              <a:solidFill>
+                <a:srgbClr val="CC3300"/>
+              </a:solidFill>
+            </a:endParaRPr>
+          </a:p>
+          <a:p>
+            <a:pPr>
+              <a:spcBef>
+                <a:spcPct val="50000"/>
+              </a:spcBef>
+            </a:pPr>
+            <a:endParaRPr lang="en-US" sz="1833" b="1" dirty="0">
+              <a:solidFill>
+                <a:srgbClr val="CC3300"/>
+              </a:solidFill>
+            </a:endParaRPr>
+          </a:p>
+        </p:txBody>
+      </p:sp>
+      <p:sp>
+        <p:nvSpPr>
           <p:cNvPr id="14337" name="Rectangle 5"/>
           <p:cNvSpPr>
             <a:spLocks noChangeArrowheads="1"/>
@@ -4438,6 +4534,48 @@
             </a:r>
           </a:p>
           <a:p>
+            <a:pPr marL="285750" indent="-285750">
+              <a:buFont typeface="Arial" panose="020B0604020202020204" pitchFamily="34" charset="0"/>
+              <a:buChar char="•"/>
+            </a:pPr>
+            <a:endParaRPr lang="en-US" sz="1800" dirty="0">
+              <a:latin typeface="Georgia" charset="0"/>
+            </a:endParaRPr>
+          </a:p>
+          <a:p>
+            <a:pPr marL="285750" indent="-285750">
+              <a:buFont typeface="Arial" panose="020B0604020202020204" pitchFamily="34" charset="0"/>
+              <a:buChar char="•"/>
+            </a:pPr>
+            <a:r>
+              <a:rPr lang="en-US" sz="1800" dirty="0">
+                <a:solidFill>
+                  <a:srgbClr val="FF0000"/>
+                </a:solidFill>
+                <a:latin typeface="Georgia" charset="0"/>
+              </a:rPr>
+              <a:t>TODO: Add equation</a:t>
+            </a:r>
+          </a:p>
+          <a:p>
+            <a:pPr marL="285750" indent="-285750">
+              <a:buFont typeface="Arial" panose="020B0604020202020204" pitchFamily="34" charset="0"/>
+              <a:buChar char="•"/>
+            </a:pPr>
+            <a:endParaRPr lang="en-US" sz="1800" dirty="0">
+              <a:latin typeface="Georgia" charset="0"/>
+            </a:endParaRPr>
+          </a:p>
+          <a:p>
+            <a:pPr marL="285750" indent="-285750">
+              <a:buFont typeface="Arial" panose="020B0604020202020204" pitchFamily="34" charset="0"/>
+              <a:buChar char="•"/>
+            </a:pPr>
+            <a:endParaRPr lang="en-US" sz="1800" dirty="0">
+              <a:latin typeface="Georgia" charset="0"/>
+            </a:endParaRPr>
+          </a:p>
+          <a:p>
             <a:endParaRPr lang="en-US" sz="1800" dirty="0">
               <a:latin typeface="Georgia" charset="0"/>
             </a:endParaRPr>
@@ -4531,39 +4669,148 @@
             </a:endParaRPr>
           </a:p>
           <a:p>
-            <a:r>
-              <a:rPr lang="en-US" sz="2000" u="sng" dirty="0">
-                <a:latin typeface="Georgia" charset="0"/>
-              </a:rPr>
-              <a:t>Kalman Filter</a:t>
-            </a:r>
-            <a:endParaRPr lang="en-US" sz="1800" dirty="0">
-              <a:latin typeface="Georgia" charset="0"/>
-            </a:endParaRPr>
-          </a:p>
-          <a:p>
             <a:pPr marL="285750" indent="-285750">
               <a:buFont typeface="Arial" panose="020B0604020202020204" pitchFamily="34" charset="0"/>
               <a:buChar char="•"/>
             </a:pPr>
-            <a:r>
-              <a:rPr lang="en-US" sz="1800" dirty="0">
-                <a:latin typeface="Georgia" charset="0"/>
-              </a:rPr>
-              <a:t>Two independent Kalman filters are used for the two agents.</a:t>
-            </a:r>
+            <a:endParaRPr lang="en-US" sz="1800" dirty="0">
+              <a:latin typeface="Georgia" charset="0"/>
+            </a:endParaRPr>
           </a:p>
           <a:p>
             <a:pPr marL="285750" indent="-285750">
               <a:buFont typeface="Arial" panose="020B0604020202020204" pitchFamily="34" charset="0"/>
               <a:buChar char="•"/>
             </a:pPr>
-            <a:r>
-              <a:rPr lang="en-US" sz="1800" dirty="0">
-                <a:latin typeface="Georgia" charset="0"/>
-              </a:rPr>
-              <a:t>The state includes the position and velocity of the agent.</a:t>
-            </a:r>
+            <a:endParaRPr lang="en-US" sz="1800" dirty="0">
+              <a:latin typeface="Georgia" charset="0"/>
+            </a:endParaRPr>
+          </a:p>
+          <a:p>
+            <a:pPr marL="285750" indent="-285750">
+              <a:buFont typeface="Arial" panose="020B0604020202020204" pitchFamily="34" charset="0"/>
+              <a:buChar char="•"/>
+            </a:pPr>
+            <a:endParaRPr lang="en-US" sz="1800" dirty="0">
+              <a:latin typeface="Georgia" charset="0"/>
+            </a:endParaRPr>
+          </a:p>
+          <a:p>
+            <a:pPr marL="285750" indent="-285750">
+              <a:buFont typeface="Arial" panose="020B0604020202020204" pitchFamily="34" charset="0"/>
+              <a:buChar char="•"/>
+            </a:pPr>
+            <a:endParaRPr lang="en-US" sz="1800" dirty="0">
+              <a:latin typeface="Georgia" charset="0"/>
+            </a:endParaRPr>
+          </a:p>
+          <a:p>
+            <a:pPr marL="285750" indent="-285750">
+              <a:buFont typeface="Arial" panose="020B0604020202020204" pitchFamily="34" charset="0"/>
+              <a:buChar char="•"/>
+            </a:pPr>
+            <a:endParaRPr lang="en-US" sz="1800" dirty="0">
+              <a:latin typeface="Georgia" charset="0"/>
+            </a:endParaRPr>
+          </a:p>
+          <a:p>
+            <a:pPr marL="285750" indent="-285750">
+              <a:buFont typeface="Arial" panose="020B0604020202020204" pitchFamily="34" charset="0"/>
+              <a:buChar char="•"/>
+            </a:pPr>
+            <a:endParaRPr lang="en-US" sz="1800" dirty="0">
+              <a:latin typeface="Georgia" charset="0"/>
+            </a:endParaRPr>
+          </a:p>
+          <a:p>
+            <a:pPr marL="285750" indent="-285750">
+              <a:buFont typeface="Arial" panose="020B0604020202020204" pitchFamily="34" charset="0"/>
+              <a:buChar char="•"/>
+            </a:pPr>
+            <a:endParaRPr lang="en-US" sz="1800" dirty="0">
+              <a:latin typeface="Georgia" charset="0"/>
+            </a:endParaRPr>
+          </a:p>
+          <a:p>
+            <a:pPr marL="285750" indent="-285750">
+              <a:buFont typeface="Arial" panose="020B0604020202020204" pitchFamily="34" charset="0"/>
+              <a:buChar char="•"/>
+            </a:pPr>
+            <a:endParaRPr lang="en-US" sz="1800" dirty="0">
+              <a:latin typeface="Georgia" charset="0"/>
+            </a:endParaRPr>
+          </a:p>
+          <a:p>
+            <a:pPr marL="285750" indent="-285750">
+              <a:buFont typeface="Arial" panose="020B0604020202020204" pitchFamily="34" charset="0"/>
+              <a:buChar char="•"/>
+            </a:pPr>
+            <a:endParaRPr lang="en-US" sz="1800" dirty="0">
+              <a:latin typeface="Georgia" charset="0"/>
+            </a:endParaRPr>
+          </a:p>
+          <a:p>
+            <a:pPr marL="285750" indent="-285750">
+              <a:buFont typeface="Arial" panose="020B0604020202020204" pitchFamily="34" charset="0"/>
+              <a:buChar char="•"/>
+            </a:pPr>
+            <a:endParaRPr lang="en-US" sz="1800" dirty="0">
+              <a:latin typeface="Georgia" charset="0"/>
+            </a:endParaRPr>
+          </a:p>
+          <a:p>
+            <a:pPr marL="285750" indent="-285750">
+              <a:buFont typeface="Arial" panose="020B0604020202020204" pitchFamily="34" charset="0"/>
+              <a:buChar char="•"/>
+            </a:pPr>
+            <a:endParaRPr lang="en-US" sz="1800" dirty="0">
+              <a:latin typeface="Georgia" charset="0"/>
+            </a:endParaRPr>
+          </a:p>
+          <a:p>
+            <a:pPr marL="285750" indent="-285750">
+              <a:buFont typeface="Arial" panose="020B0604020202020204" pitchFamily="34" charset="0"/>
+              <a:buChar char="•"/>
+            </a:pPr>
+            <a:endParaRPr lang="en-US" sz="1800" dirty="0">
+              <a:latin typeface="Georgia" charset="0"/>
+            </a:endParaRPr>
+          </a:p>
+          <a:p>
+            <a:pPr marL="285750" indent="-285750">
+              <a:buFont typeface="Arial" panose="020B0604020202020204" pitchFamily="34" charset="0"/>
+              <a:buChar char="•"/>
+            </a:pPr>
+            <a:endParaRPr lang="en-US" sz="1800" dirty="0">
+              <a:latin typeface="Georgia" charset="0"/>
+            </a:endParaRPr>
+          </a:p>
+          <a:p>
+            <a:pPr marL="285750" indent="-285750">
+              <a:buFont typeface="Arial" panose="020B0604020202020204" pitchFamily="34" charset="0"/>
+              <a:buChar char="•"/>
+            </a:pPr>
+            <a:endParaRPr lang="en-US" sz="1800" dirty="0">
+              <a:latin typeface="Georgia" charset="0"/>
+            </a:endParaRPr>
+          </a:p>
+          <a:p>
+            <a:pPr marL="285750" indent="-285750">
+              <a:buFont typeface="Arial" panose="020B0604020202020204" pitchFamily="34" charset="0"/>
+              <a:buChar char="•"/>
+            </a:pPr>
+            <a:endParaRPr lang="en-US" sz="1800" dirty="0">
+              <a:latin typeface="Georgia" charset="0"/>
+            </a:endParaRPr>
+          </a:p>
+          <a:p>
+            <a:pPr marL="285750" indent="-285750">
+              <a:buFont typeface="Arial" panose="020B0604020202020204" pitchFamily="34" charset="0"/>
+              <a:buChar char="•"/>
+            </a:pPr>
+            <a:endParaRPr lang="en-US" sz="1800" dirty="0">
+              <a:latin typeface="Georgia" charset="0"/>
+            </a:endParaRPr>
           </a:p>
           <a:p>
             <a:endParaRPr lang="en-US" sz="1800" dirty="0">
@@ -4615,8 +4862,8 @@
         </p:nvSpPr>
         <p:spPr bwMode="auto">
           <a:xfrm>
-            <a:off x="9982200" y="4343399"/>
-            <a:ext cx="9619712" cy="18755293"/>
+            <a:off x="9963688" y="4352566"/>
+            <a:ext cx="9619712" cy="5096234"/>
           </a:xfrm>
           <a:prstGeom prst="rect">
             <a:avLst/>
@@ -4644,22 +4891,102 @@
           <a:bodyPr lIns="165000" tIns="165000" rIns="165000" bIns="165000"/>
           <a:lstStyle/>
           <a:p>
+            <a:r>
+              <a:rPr lang="en-GB" sz="2800" b="1" u="sng" dirty="0">
+                <a:solidFill>
+                  <a:schemeClr val="tx2"/>
+                </a:solidFill>
+              </a:rPr>
+              <a:t>Methods – continued</a:t>
+            </a:r>
+          </a:p>
+          <a:p>
+            <a:endParaRPr lang="en-GB" sz="2400" b="1" dirty="0">
+              <a:solidFill>
+                <a:srgbClr val="CC3300"/>
+              </a:solidFill>
+            </a:endParaRPr>
+          </a:p>
+          <a:p>
+            <a:r>
+              <a:rPr lang="en-US" sz="2000" u="sng" dirty="0">
+                <a:latin typeface="Georgia" charset="0"/>
+              </a:rPr>
+              <a:t>Kalman Filter</a:t>
+            </a:r>
+            <a:endParaRPr lang="en-US" sz="2000" dirty="0">
+              <a:latin typeface="Georgia" charset="0"/>
+            </a:endParaRPr>
+          </a:p>
+          <a:p>
+            <a:pPr marL="285750" indent="-285750">
+              <a:buFont typeface="Arial" panose="020B0604020202020204" pitchFamily="34" charset="0"/>
+              <a:buChar char="•"/>
+            </a:pPr>
+            <a:r>
+              <a:rPr lang="en-US" sz="1800" dirty="0">
+                <a:latin typeface="Georgia" charset="0"/>
+              </a:rPr>
+              <a:t>Two independent Kalman filters are used for the two agents.</a:t>
+            </a:r>
+          </a:p>
+          <a:p>
+            <a:pPr marL="285750" indent="-285750">
+              <a:buFont typeface="Arial" panose="020B0604020202020204" pitchFamily="34" charset="0"/>
+              <a:buChar char="•"/>
+            </a:pPr>
+            <a:r>
+              <a:rPr lang="en-US" sz="1800" dirty="0">
+                <a:latin typeface="Georgia" charset="0"/>
+              </a:rPr>
+              <a:t>The state includes the position and velocity of the agent. The system dynamics matrix and observation matrix are listed  below, the measurement noise matrix is </a:t>
+            </a:r>
+            <a:r>
+              <a:rPr lang="en-US" sz="1800" dirty="0" err="1">
+                <a:latin typeface="Georgia" charset="0"/>
+              </a:rPr>
+              <a:t>diag</a:t>
+            </a:r>
+            <a:r>
+              <a:rPr lang="en-US" sz="1800" dirty="0">
+                <a:latin typeface="Georgia" charset="0"/>
+              </a:rPr>
+              <a:t>(0.1).</a:t>
+            </a:r>
+          </a:p>
+          <a:p>
             <a:pPr>
               <a:spcBef>
                 <a:spcPct val="50000"/>
               </a:spcBef>
             </a:pPr>
-            <a:r>
-              <a:rPr lang="en-GB" sz="2400" b="1" u="sng" dirty="0">
-                <a:solidFill>
-                  <a:schemeClr val="tx2"/>
-                </a:solidFill>
-              </a:rPr>
-              <a:t>RESULTS</a:t>
-            </a:r>
-            <a:endParaRPr lang="en-GB" sz="2400" b="1" dirty="0">
+            <a:endParaRPr lang="en-GB" sz="2400" b="1" u="sng" dirty="0">
               <a:solidFill>
-                <a:srgbClr val="CC3300"/>
+                <a:schemeClr val="tx2"/>
+              </a:solidFill>
+            </a:endParaRPr>
+          </a:p>
+          <a:p>
+            <a:pPr>
+              <a:spcBef>
+                <a:spcPct val="50000"/>
+              </a:spcBef>
+            </a:pPr>
+            <a:endParaRPr lang="en-GB" sz="2400" b="1" u="sng" dirty="0">
+              <a:solidFill>
+                <a:schemeClr val="tx2"/>
+              </a:solidFill>
+            </a:endParaRPr>
+          </a:p>
+          <a:p>
+            <a:pPr>
+              <a:spcBef>
+                <a:spcPct val="50000"/>
+              </a:spcBef>
+            </a:pPr>
+            <a:endParaRPr lang="en-GB" sz="2400" b="1" u="sng" dirty="0">
+              <a:solidFill>
+                <a:schemeClr val="tx2"/>
               </a:solidFill>
             </a:endParaRPr>
           </a:p>
@@ -4705,8 +5032,8 @@
         </p:nvSpPr>
         <p:spPr bwMode="auto">
           <a:xfrm>
-            <a:off x="9994702" y="23410417"/>
-            <a:ext cx="9619712" cy="6231383"/>
+            <a:off x="9994702" y="25679400"/>
+            <a:ext cx="9619712" cy="3962400"/>
           </a:xfrm>
           <a:prstGeom prst="rect">
             <a:avLst/>
@@ -4788,28 +5115,17 @@
             </a:r>
           </a:p>
           <a:p>
-            <a:pPr marL="285750" indent="-285750">
-              <a:buFont typeface="Arial" panose="020B0604020202020204" pitchFamily="34" charset="0"/>
-              <a:buChar char="•"/>
-            </a:pPr>
-            <a:endParaRPr lang="en-US" sz="2400" dirty="0">
-              <a:latin typeface="Georgia" charset="0"/>
-            </a:endParaRPr>
-          </a:p>
-          <a:p>
-            <a:pPr>
-              <a:spcBef>
-                <a:spcPct val="50000"/>
-              </a:spcBef>
-            </a:pPr>
-            <a:endParaRPr lang="en-GB" sz="2400" b="1" u="sng" dirty="0">
-              <a:solidFill>
-                <a:schemeClr val="tx2"/>
-              </a:solidFill>
-            </a:endParaRPr>
-          </a:p>
-          <a:p>
-            <a:endParaRPr lang="en-US" sz="1283" dirty="0"/>
+            <a:endParaRPr lang="en-US" sz="2400" dirty="0"/>
+          </a:p>
+          <a:p>
+            <a:r>
+              <a:rPr lang="en-GB" sz="2400" b="1" u="sng" dirty="0">
+                <a:solidFill>
+                  <a:schemeClr val="tx2"/>
+                </a:solidFill>
+              </a:rPr>
+              <a:t>Reference</a:t>
+            </a:r>
           </a:p>
           <a:p>
             <a:endParaRPr lang="en-US" sz="1283" dirty="0">
@@ -4937,8 +5253,8 @@
         </p:blipFill>
         <p:spPr>
           <a:xfrm>
-            <a:off x="1066800" y="13024188"/>
-            <a:ext cx="7608423" cy="4160497"/>
+            <a:off x="1159209" y="12992810"/>
+            <a:ext cx="7563740" cy="4136063"/>
           </a:xfrm>
           <a:prstGeom prst="rect">
             <a:avLst/>
@@ -5072,7 +5388,7 @@
         </p:nvSpPr>
         <p:spPr>
           <a:xfrm>
-            <a:off x="11811000" y="8469868"/>
+            <a:off x="11272568" y="14401800"/>
             <a:ext cx="6829963" cy="369332"/>
           </a:xfrm>
           <a:prstGeom prst="rect">
@@ -5090,11 +5406,41 @@
               <a:rPr lang="en-US" sz="1800" i="1" dirty="0">
                 <a:latin typeface="Georgia" charset="0"/>
               </a:rPr>
-              <a:t>Figure 3. Ground truth, mixed and separated signals.</a:t>
-            </a:r>
-          </a:p>
-        </p:txBody>
-      </p:sp>
+              <a:t>Figure 4. Ground truth, mixed and separated signals.</a:t>
+            </a:r>
+          </a:p>
+        </p:txBody>
+      </p:sp>
+      <p:pic>
+        <p:nvPicPr>
+          <p:cNvPr id="9" name="Picture 8">
+            <a:extLst>
+              <a:ext uri="{FF2B5EF4-FFF2-40B4-BE49-F238E27FC236}">
+                <a16:creationId xmlns:a16="http://schemas.microsoft.com/office/drawing/2014/main" id="{D03386B6-9FF2-416F-81A0-62EA1114CC75}"/>
+              </a:ext>
+            </a:extLst>
+          </p:cNvPr>
+          <p:cNvPicPr>
+            <a:picLocks noChangeAspect="1"/>
+          </p:cNvPicPr>
+          <p:nvPr/>
+        </p:nvPicPr>
+        <p:blipFill>
+          <a:blip r:embed="rId5"/>
+          <a:stretch>
+            <a:fillRect/>
+          </a:stretch>
+        </p:blipFill>
+        <p:spPr>
+          <a:xfrm>
+            <a:off x="1495425" y="24252572"/>
+            <a:ext cx="5369640" cy="3607357"/>
+          </a:xfrm>
+          <a:prstGeom prst="rect">
+            <a:avLst/>
+          </a:prstGeom>
+        </p:spPr>
+      </p:pic>
       <p:sp>
         <p:nvSpPr>
           <p:cNvPr id="29" name="TextBox 28">
@@ -5109,7 +5455,7 @@
         </p:nvSpPr>
         <p:spPr>
           <a:xfrm>
-            <a:off x="11810999" y="12781003"/>
+            <a:off x="11506200" y="18364200"/>
             <a:ext cx="6829963" cy="369332"/>
           </a:xfrm>
           <a:prstGeom prst="rect">
@@ -5127,11 +5473,90 @@
               <a:rPr lang="en-US" sz="1800" i="1" dirty="0">
                 <a:latin typeface="Georgia" charset="0"/>
               </a:rPr>
-              <a:t>Figure 4. The tracking error overtime.</a:t>
-            </a:r>
-          </a:p>
-        </p:txBody>
-      </p:sp>
+              <a:t>Figure 5. The tracking error overtime.</a:t>
+            </a:r>
+          </a:p>
+        </p:txBody>
+      </p:sp>
+      <p:sp>
+        <p:nvSpPr>
+          <p:cNvPr id="31" name="TextBox 30">
+            <a:extLst>
+              <a:ext uri="{FF2B5EF4-FFF2-40B4-BE49-F238E27FC236}">
+                <a16:creationId xmlns:a16="http://schemas.microsoft.com/office/drawing/2014/main" id="{22D81E2B-36BC-4945-993D-261B181D0F22}"/>
+              </a:ext>
+            </a:extLst>
+          </p:cNvPr>
+          <p:cNvSpPr txBox="1"/>
+          <p:nvPr/>
+        </p:nvSpPr>
+        <p:spPr>
+          <a:xfrm>
+            <a:off x="1070000" y="27761362"/>
+            <a:ext cx="7997800" cy="1200329"/>
+          </a:xfrm>
+          <a:prstGeom prst="rect">
+            <a:avLst/>
+          </a:prstGeom>
+          <a:noFill/>
+        </p:spPr>
+        <p:txBody>
+          <a:bodyPr wrap="square" rtlCol="0">
+            <a:spAutoFit/>
+          </a:bodyPr>
+          <a:lstStyle/>
+          <a:p>
+            <a:r>
+              <a:rPr lang="en-US" sz="1800" i="1" dirty="0">
+                <a:latin typeface="Georgia" charset="0"/>
+              </a:rPr>
+              <a:t>Figure 3. Localization of an agent. The difference in time-of-arrival is r1-r2, while the magnitude ratio is r1/r2, which together gives the value of r1 and r2. With the locations of the mics known, the </a:t>
+            </a:r>
+            <a:r>
+              <a:rPr lang="en-US" sz="1800" i="1" dirty="0" err="1">
+                <a:latin typeface="Georgia" charset="0"/>
+              </a:rPr>
+              <a:t>x,y</a:t>
+            </a:r>
+            <a:r>
+              <a:rPr lang="en-US" sz="1800" i="1" dirty="0">
+                <a:latin typeface="Georgia" charset="0"/>
+              </a:rPr>
+              <a:t> positions can be triangulated. </a:t>
+            </a:r>
+          </a:p>
+        </p:txBody>
+      </p:sp>
+      <p:pic>
+        <p:nvPicPr>
+          <p:cNvPr id="10" name="Picture 9">
+            <a:extLst>
+              <a:ext uri="{FF2B5EF4-FFF2-40B4-BE49-F238E27FC236}">
+                <a16:creationId xmlns:a16="http://schemas.microsoft.com/office/drawing/2014/main" id="{719C9E7F-312F-4A44-8A08-FC555C6726CB}"/>
+              </a:ext>
+            </a:extLst>
+          </p:cNvPr>
+          <p:cNvPicPr>
+            <a:picLocks noChangeAspect="1"/>
+          </p:cNvPicPr>
+          <p:nvPr/>
+        </p:nvPicPr>
+        <p:blipFill>
+          <a:blip r:embed="rId6"/>
+          <a:stretch>
+            <a:fillRect/>
+          </a:stretch>
+        </p:blipFill>
+        <p:spPr>
+          <a:xfrm>
+            <a:off x="10580862" y="6579109"/>
+            <a:ext cx="7343775" cy="1762125"/>
+          </a:xfrm>
+          <a:prstGeom prst="rect">
+            <a:avLst/>
+          </a:prstGeom>
+        </p:spPr>
+      </p:pic>
     </p:spTree>
   </p:cSld>
   <p:clrMapOvr>

--- a/poster.pptx
+++ b/poster.pptx
@@ -259,7 +259,7 @@
               <a:pPr>
                 <a:defRPr/>
               </a:pPr>
-              <a:t>12/8/2019</a:t>
+              <a:t>12/9/2019</a:t>
             </a:fld>
             <a:endParaRPr lang="en-US"/>
           </a:p>
@@ -836,7 +836,7 @@
               <a:pPr>
                 <a:defRPr/>
               </a:pPr>
-              <a:t>12/8/2019</a:t>
+              <a:t>12/9/2019</a:t>
             </a:fld>
             <a:endParaRPr lang="en-US"/>
           </a:p>
@@ -1071,7 +1071,7 @@
               <a:pPr>
                 <a:defRPr/>
               </a:pPr>
-              <a:t>12/8/2019</a:t>
+              <a:t>12/9/2019</a:t>
             </a:fld>
             <a:endParaRPr lang="en-US"/>
           </a:p>
@@ -1481,7 +1481,7 @@
               <a:pPr>
                 <a:defRPr/>
               </a:pPr>
-              <a:t>12/8/2019</a:t>
+              <a:t>12/9/2019</a:t>
             </a:fld>
             <a:endParaRPr lang="en-US"/>
           </a:p>
@@ -1831,7 +1831,7 @@
               <a:pPr>
                 <a:defRPr/>
               </a:pPr>
-              <a:t>12/8/2019</a:t>
+              <a:t>12/9/2019</a:t>
             </a:fld>
             <a:endParaRPr lang="en-US"/>
           </a:p>
@@ -2321,7 +2321,7 @@
               <a:pPr>
                 <a:defRPr/>
               </a:pPr>
-              <a:t>12/8/2019</a:t>
+              <a:t>12/9/2019</a:t>
             </a:fld>
             <a:endParaRPr lang="en-US"/>
           </a:p>
@@ -2497,7 +2497,7 @@
               <a:pPr>
                 <a:defRPr/>
               </a:pPr>
-              <a:t>12/8/2019</a:t>
+              <a:t>12/9/2019</a:t>
             </a:fld>
             <a:endParaRPr lang="en-US"/>
           </a:p>
@@ -2643,7 +2643,7 @@
               <a:pPr>
                 <a:defRPr/>
               </a:pPr>
-              <a:t>12/8/2019</a:t>
+              <a:t>12/9/2019</a:t>
             </a:fld>
             <a:endParaRPr lang="en-US"/>
           </a:p>
@@ -2978,7 +2978,7 @@
               <a:pPr>
                 <a:defRPr/>
               </a:pPr>
-              <a:t>12/8/2019</a:t>
+              <a:t>12/9/2019</a:t>
             </a:fld>
             <a:endParaRPr lang="en-US"/>
           </a:p>
@@ -3296,7 +3296,7 @@
               <a:pPr>
                 <a:defRPr/>
               </a:pPr>
-              <a:t>12/8/2019</a:t>
+              <a:t>12/9/2019</a:t>
             </a:fld>
             <a:endParaRPr lang="en-US"/>
           </a:p>
@@ -3867,8 +3867,8 @@
         </p:nvSpPr>
         <p:spPr bwMode="auto">
           <a:xfrm>
-            <a:off x="9982200" y="9829800"/>
-            <a:ext cx="9619712" cy="15392400"/>
+            <a:off x="9982200" y="11658600"/>
+            <a:ext cx="9619712" cy="12039600"/>
           </a:xfrm>
           <a:prstGeom prst="rect">
             <a:avLst/>
@@ -3881,7 +3881,7 @@
           </a:ln>
           <a:extLst>
             <a:ext uri="{91240B29-F687-4f45-9708-019B960494DF}">
-              <a14:hiddenLine xmlns="" xmlns:a14="http://schemas.microsoft.com/office/drawing/2010/main" w="9525">
+              <a14:hiddenLine xmlns:a14="http://schemas.microsoft.com/office/drawing/2010/main" xmlns="" w="9525">
                 <a:solidFill>
                   <a:srgbClr val="000000"/>
                 </a:solidFill>
@@ -3907,7 +3907,7 @@
                   <a:schemeClr val="tx2"/>
                 </a:solidFill>
               </a:rPr>
-              <a:t>RESULTS</a:t>
+              <a:t>Current Results</a:t>
             </a:r>
             <a:endParaRPr lang="en-GB" sz="2400" b="1" dirty="0">
               <a:solidFill>
@@ -3969,14 +3969,14 @@
           </a:ln>
           <a:extLst>
             <a:ext uri="{909E8E84-426E-40dd-AFC4-6F175D3DCCD1}">
-              <a14:hiddenFill xmlns="" xmlns:a14="http://schemas.microsoft.com/office/drawing/2010/main">
+              <a14:hiddenFill xmlns:a14="http://schemas.microsoft.com/office/drawing/2010/main" xmlns="">
                 <a:solidFill>
                   <a:srgbClr val="FFFFFF"/>
                 </a:solidFill>
               </a14:hiddenFill>
             </a:ext>
             <a:ext uri="{91240B29-F687-4f45-9708-019B960494DF}">
-              <a14:hiddenLine xmlns="" xmlns:a14="http://schemas.microsoft.com/office/drawing/2010/main" w="9525">
+              <a14:hiddenLine xmlns:a14="http://schemas.microsoft.com/office/drawing/2010/main" xmlns="" w="9525">
                 <a:solidFill>
                   <a:srgbClr val="000000"/>
                 </a:solidFill>
@@ -4050,14 +4050,14 @@
           </a:ln>
           <a:extLst>
             <a:ext uri="{909E8E84-426E-40dd-AFC4-6F175D3DCCD1}">
-              <a14:hiddenFill xmlns="" xmlns:a14="http://schemas.microsoft.com/office/drawing/2010/main">
+              <a14:hiddenFill xmlns:a14="http://schemas.microsoft.com/office/drawing/2010/main" xmlns="">
                 <a:solidFill>
                   <a:srgbClr val="FFFFFF"/>
                 </a:solidFill>
               </a14:hiddenFill>
             </a:ext>
             <a:ext uri="{91240B29-F687-4f45-9708-019B960494DF}">
-              <a14:hiddenLine xmlns="" xmlns:a14="http://schemas.microsoft.com/office/drawing/2010/main" w="9525">
+              <a14:hiddenLine xmlns:a14="http://schemas.microsoft.com/office/drawing/2010/main" xmlns="" w="9525">
                 <a:solidFill>
                   <a:srgbClr val="000000"/>
                 </a:solidFill>
@@ -4218,7 +4218,7 @@
           </a:ln>
           <a:extLst>
             <a:ext uri="{91240B29-F687-4f45-9708-019B960494DF}">
-              <a14:hiddenLine xmlns="" xmlns:a14="http://schemas.microsoft.com/office/drawing/2010/main" w="9525">
+              <a14:hiddenLine xmlns:a14="http://schemas.microsoft.com/office/drawing/2010/main" xmlns="" w="9525">
                 <a:solidFill>
                   <a:srgbClr val="000000"/>
                 </a:solidFill>
@@ -4256,11 +4256,25 @@
           </a:p>
           <a:p>
             <a:r>
-              <a:rPr lang="en-US" sz="1800" dirty="0">
+              <a:rPr lang="en-US" sz="2000" dirty="0">
                 <a:latin typeface="Georgia" charset="0"/>
                 <a:cs typeface="Georgia" charset="0"/>
               </a:rPr>
-              <a:t>We would like to track the position of two moving- and talking- people using a pair of microphones in an indoor environment. </a:t>
+              <a:t>We would like to track the position of two moving- and talking- people using a pair of </a:t>
+            </a:r>
+            <a:r>
+              <a:rPr lang="en-US" altLang="zh-CN" sz="2000" dirty="0">
+                <a:latin typeface="Georgia" charset="0"/>
+                <a:cs typeface="Georgia" charset="0"/>
+              </a:rPr>
+              <a:t>omni-directional</a:t>
+            </a:r>
+            <a:r>
+              <a:rPr lang="en-US" sz="2000" dirty="0">
+                <a:latin typeface="Georgia" charset="0"/>
+                <a:cs typeface="Georgia" charset="0"/>
+              </a:rPr>
+              <a:t> microphones in an indoor environment. </a:t>
             </a:r>
           </a:p>
         </p:txBody>
@@ -4289,7 +4303,7 @@
           </a:ln>
           <a:extLst>
             <a:ext uri="{91240B29-F687-4f45-9708-019B960494DF}">
-              <a14:hiddenLine xmlns="" xmlns:a14="http://schemas.microsoft.com/office/drawing/2010/main" w="9525">
+              <a14:hiddenLine xmlns:a14="http://schemas.microsoft.com/office/drawing/2010/main" xmlns="" w="9525">
                 <a:solidFill>
                   <a:srgbClr val="000000"/>
                 </a:solidFill>
@@ -4330,10 +4344,10 @@
           <a:p>
             <a:pPr marL="174612" indent="-174612"/>
             <a:r>
-              <a:rPr lang="en-US" sz="1800" dirty="0">
+              <a:rPr lang="en-US" sz="2000" dirty="0">
                 <a:latin typeface="Georgia" charset="0"/>
               </a:rPr>
-              <a:t>The overview of our method is shown in Figure 2. The localization is performed at 20Hz, using the last 0.05s of data.</a:t>
+              <a:t>The overview of our method is shown in Figure 2. The localization is performed at 20Hz.</a:t>
             </a:r>
           </a:p>
           <a:p>
@@ -4458,6 +4472,12 @@
           </a:p>
           <a:p>
             <a:pPr marL="174612" indent="-174612"/>
+            <a:endParaRPr lang="en-US" sz="1800" dirty="0">
+              <a:latin typeface="Georgia" charset="0"/>
+            </a:endParaRPr>
+          </a:p>
+          <a:p>
+            <a:pPr marL="174612" indent="-174612"/>
             <a:r>
               <a:rPr lang="en-US" sz="2000" u="sng" dirty="0">
                 <a:latin typeface="Georgia" charset="0"/>
@@ -4471,7 +4491,7 @@
               <a:buChar char="•"/>
             </a:pPr>
             <a:r>
-              <a:rPr lang="en-US" sz="1800" dirty="0">
+              <a:rPr lang="en-US" sz="2000" dirty="0">
                 <a:latin typeface="Georgia" charset="0"/>
               </a:rPr>
               <a:t>The setup of our simulator resembles that in Figure 1.</a:t>
@@ -4483,7 +4503,7 @@
               <a:buChar char="•"/>
             </a:pPr>
             <a:r>
-              <a:rPr lang="en-US" sz="1800" dirty="0">
+              <a:rPr lang="en-US" sz="2000" dirty="0">
                 <a:latin typeface="Georgia" charset="0"/>
               </a:rPr>
               <a:t>Agents move at periodic patterns continuously  and pre-recorded sounds are used.</a:t>
@@ -4495,7 +4515,7 @@
               <a:buChar char="•"/>
             </a:pPr>
             <a:r>
-              <a:rPr lang="en-US" sz="1800" dirty="0">
+              <a:rPr lang="en-US" sz="2000" dirty="0">
                 <a:latin typeface="Georgia" charset="0"/>
               </a:rPr>
               <a:t>Sound magnitude diminishing and delay are simulated. (Reverberation not implemented yet.)</a:t>
@@ -4527,7 +4547,7 @@
               <a:buChar char="•"/>
             </a:pPr>
             <a:r>
-              <a:rPr lang="en-US" sz="1800" dirty="0">
+              <a:rPr lang="en-US" sz="2000" dirty="0">
                 <a:latin typeface="Georgia" charset="0"/>
               </a:rPr>
               <a:t>The algorithm is based on [1], introduced in class lecture notes.</a:t>
@@ -4538,6 +4558,30 @@
               <a:buFont typeface="Arial" panose="020B0604020202020204" pitchFamily="34" charset="0"/>
               <a:buChar char="•"/>
             </a:pPr>
+            <a:r>
+              <a:rPr lang="en-US" sz="2000" dirty="0">
+                <a:latin typeface="Georgia" charset="0"/>
+              </a:rPr>
+              <a:t>Separate delayed and mixed signals</a:t>
+            </a:r>
+          </a:p>
+          <a:p>
+            <a:pPr marL="285750" indent="-285750">
+              <a:buFont typeface="Arial" panose="020B0604020202020204" pitchFamily="34" charset="0"/>
+              <a:buChar char="•"/>
+            </a:pPr>
+            <a:r>
+              <a:rPr lang="en-US" sz="2000" dirty="0">
+                <a:latin typeface="Georgia" charset="0"/>
+              </a:rPr>
+              <a:t>FIR matrix notation</a:t>
+            </a:r>
+          </a:p>
+          <a:p>
+            <a:pPr marL="285750" indent="-285750">
+              <a:buFont typeface="Arial" panose="020B0604020202020204" pitchFamily="34" charset="0"/>
+              <a:buChar char="•"/>
+            </a:pPr>
             <a:endParaRPr lang="en-US" sz="1800" dirty="0">
               <a:latin typeface="Georgia" charset="0"/>
             </a:endParaRPr>
@@ -4547,15 +4591,27 @@
               <a:buFont typeface="Arial" panose="020B0604020202020204" pitchFamily="34" charset="0"/>
               <a:buChar char="•"/>
             </a:pPr>
-            <a:r>
-              <a:rPr lang="en-US" sz="1800" dirty="0">
-                <a:solidFill>
-                  <a:srgbClr val="FF0000"/>
-                </a:solidFill>
-                <a:latin typeface="Georgia" charset="0"/>
-              </a:rPr>
-              <a:t>TODO: Add equation</a:t>
-            </a:r>
+            <a:endParaRPr lang="en-US" sz="1800" dirty="0">
+              <a:latin typeface="Georgia" charset="0"/>
+            </a:endParaRPr>
+          </a:p>
+          <a:p>
+            <a:pPr marL="285750" indent="-285750">
+              <a:buFont typeface="Arial" panose="020B0604020202020204" pitchFamily="34" charset="0"/>
+              <a:buChar char="•"/>
+            </a:pPr>
+            <a:endParaRPr lang="en-US" sz="1800" dirty="0">
+              <a:latin typeface="Georgia" charset="0"/>
+            </a:endParaRPr>
+          </a:p>
+          <a:p>
+            <a:pPr marL="285750" indent="-285750">
+              <a:buFont typeface="Arial" panose="020B0604020202020204" pitchFamily="34" charset="0"/>
+              <a:buChar char="•"/>
+            </a:pPr>
+            <a:endParaRPr lang="en-US" sz="1800" dirty="0">
+              <a:latin typeface="Georgia" charset="0"/>
+            </a:endParaRPr>
           </a:p>
           <a:p>
             <a:pPr marL="285750" indent="-285750">
@@ -4597,7 +4653,7 @@
               <a:buChar char="•"/>
             </a:pPr>
             <a:r>
-              <a:rPr lang="en-US" sz="1800" dirty="0">
+              <a:rPr lang="en-US" sz="2000" dirty="0">
                 <a:latin typeface="Georgia" charset="0"/>
               </a:rPr>
               <a:t>We use a pre-trained classifier for male and female voice based on data we collected. </a:t>
@@ -4609,61 +4665,13 @@
               <a:buChar char="•"/>
             </a:pPr>
             <a:r>
-              <a:rPr lang="en-US" sz="1800" dirty="0">
+              <a:rPr lang="en-US" sz="2000" dirty="0">
                 <a:latin typeface="Georgia" charset="0"/>
               </a:rPr>
               <a:t>Frame-wise classifier in the frequency domain + voting. </a:t>
             </a:r>
           </a:p>
           <a:p>
-            <a:pPr marL="285750" indent="-285750">
-              <a:buFont typeface="Arial" panose="020B0604020202020204" pitchFamily="34" charset="0"/>
-              <a:buChar char="•"/>
-            </a:pPr>
-            <a:endParaRPr lang="en-US" sz="1800" dirty="0">
-              <a:latin typeface="Georgia" charset="0"/>
-            </a:endParaRPr>
-          </a:p>
-          <a:p>
-            <a:r>
-              <a:rPr lang="en-US" sz="2000" u="sng" dirty="0">
-                <a:latin typeface="Georgia" charset="0"/>
-              </a:rPr>
-              <a:t>Localization</a:t>
-            </a:r>
-            <a:endParaRPr lang="en-US" sz="1800" dirty="0">
-              <a:latin typeface="Georgia" charset="0"/>
-            </a:endParaRPr>
-          </a:p>
-          <a:p>
-            <a:pPr marL="285750" indent="-285750">
-              <a:buFont typeface="Arial" panose="020B0604020202020204" pitchFamily="34" charset="0"/>
-              <a:buChar char="•"/>
-            </a:pPr>
-            <a:r>
-              <a:rPr lang="en-US" sz="1800" dirty="0">
-                <a:latin typeface="Georgia" charset="0"/>
-              </a:rPr>
-              <a:t>Sound signals from 2 mics are aligned to give the difference in time-of-arrival and magnitude.</a:t>
-            </a:r>
-          </a:p>
-          <a:p>
-            <a:pPr marL="285750" indent="-285750">
-              <a:buFont typeface="Arial" panose="020B0604020202020204" pitchFamily="34" charset="0"/>
-              <a:buChar char="•"/>
-            </a:pPr>
-            <a:r>
-              <a:rPr lang="en-US" sz="1800" dirty="0">
-                <a:latin typeface="Georgia" charset="0"/>
-              </a:rPr>
-              <a:t>Triangulation is performed to compute the x-y location of the agent.</a:t>
-            </a:r>
-          </a:p>
-          <a:p>
-            <a:pPr marL="285750" indent="-285750">
-              <a:buFont typeface="Arial" panose="020B0604020202020204" pitchFamily="34" charset="0"/>
-              <a:buChar char="•"/>
-            </a:pPr>
             <a:endParaRPr lang="en-US" sz="1800" dirty="0">
               <a:latin typeface="Georgia" charset="0"/>
             </a:endParaRPr>
@@ -4863,7 +4871,7 @@
         <p:spPr bwMode="auto">
           <a:xfrm>
             <a:off x="9963688" y="4352566"/>
-            <a:ext cx="9619712" cy="5096234"/>
+            <a:ext cx="9619712" cy="6934559"/>
           </a:xfrm>
           <a:prstGeom prst="rect">
             <a:avLst/>
@@ -4876,7 +4884,7 @@
           </a:ln>
           <a:extLst>
             <a:ext uri="{91240B29-F687-4f45-9708-019B960494DF}">
-              <a14:hiddenLine xmlns="" xmlns:a14="http://schemas.microsoft.com/office/drawing/2010/main" w="9525">
+              <a14:hiddenLine xmlns:a14="http://schemas.microsoft.com/office/drawing/2010/main" xmlns="" w="9525">
                 <a:solidFill>
                   <a:srgbClr val="000000"/>
                 </a:solidFill>
@@ -4912,6 +4920,57 @@
               <a:rPr lang="en-US" sz="2000" u="sng" dirty="0">
                 <a:latin typeface="Georgia" charset="0"/>
               </a:rPr>
+              <a:t>Localization</a:t>
+            </a:r>
+          </a:p>
+          <a:p>
+            <a:pPr marL="285750" indent="-285750">
+              <a:buFont typeface="Arial" panose="020B0604020202020204" pitchFamily="34" charset="0"/>
+              <a:buChar char="•"/>
+            </a:pPr>
+            <a:r>
+              <a:rPr lang="en-US" sz="2000" dirty="0">
+                <a:latin typeface="Georgia" charset="0"/>
+              </a:rPr>
+              <a:t>Separated sound signals of the 2 sources from 2 mics are used to compute  the difference in time-of-arrival and magnitude.</a:t>
+            </a:r>
+          </a:p>
+          <a:p>
+            <a:pPr marL="285750" indent="-285750">
+              <a:buFont typeface="Arial" panose="020B0604020202020204" pitchFamily="34" charset="0"/>
+              <a:buChar char="•"/>
+            </a:pPr>
+            <a:r>
+              <a:rPr lang="en-US" sz="2000" dirty="0">
+                <a:latin typeface="Georgia" charset="0"/>
+              </a:rPr>
+              <a:t>Maximum cross-correlation used for estimated time-of-arrival difference.</a:t>
+            </a:r>
+          </a:p>
+          <a:p>
+            <a:pPr marL="285750" indent="-285750">
+              <a:buFont typeface="Arial" panose="020B0604020202020204" pitchFamily="34" charset="0"/>
+              <a:buChar char="•"/>
+            </a:pPr>
+            <a:r>
+              <a:rPr lang="en-US" sz="2000" dirty="0">
+                <a:latin typeface="Georgia" charset="0"/>
+              </a:rPr>
+              <a:t>Triangulation is performed to compute the x-y location of the agent.</a:t>
+            </a:r>
+          </a:p>
+          <a:p>
+            <a:endParaRPr lang="en-GB" sz="2400" b="1" dirty="0">
+              <a:solidFill>
+                <a:srgbClr val="CC3300"/>
+              </a:solidFill>
+            </a:endParaRPr>
+          </a:p>
+          <a:p>
+            <a:r>
+              <a:rPr lang="en-US" sz="2000" u="sng" dirty="0">
+                <a:latin typeface="Georgia" charset="0"/>
+              </a:rPr>
               <a:t>Kalman Filter</a:t>
             </a:r>
             <a:endParaRPr lang="en-US" sz="2000" dirty="0">
@@ -4924,7 +4983,7 @@
               <a:buChar char="•"/>
             </a:pPr>
             <a:r>
-              <a:rPr lang="en-US" sz="1800" dirty="0">
+              <a:rPr lang="en-US" sz="2000" dirty="0">
                 <a:latin typeface="Georgia" charset="0"/>
               </a:rPr>
               <a:t>Two independent Kalman filters are used for the two agents.</a:t>
@@ -4936,19 +4995,19 @@
               <a:buChar char="•"/>
             </a:pPr>
             <a:r>
-              <a:rPr lang="en-US" sz="1800" dirty="0">
+              <a:rPr lang="en-US" sz="2000" dirty="0">
                 <a:latin typeface="Georgia" charset="0"/>
               </a:rPr>
               <a:t>The state includes the position and velocity of the agent. The system dynamics matrix and observation matrix are listed  below, the measurement noise matrix is </a:t>
             </a:r>
             <a:r>
-              <a:rPr lang="en-US" sz="1800" dirty="0" err="1">
+              <a:rPr lang="en-US" sz="2000" dirty="0" err="1">
                 <a:latin typeface="Georgia" charset="0"/>
               </a:rPr>
               <a:t>diag</a:t>
             </a:r>
             <a:r>
-              <a:rPr lang="en-US" sz="1800" dirty="0">
+              <a:rPr lang="en-US" sz="2000" dirty="0">
                 <a:latin typeface="Georgia" charset="0"/>
               </a:rPr>
               <a:t>(0.1).</a:t>
@@ -5032,8 +5091,8 @@
         </p:nvSpPr>
         <p:spPr bwMode="auto">
           <a:xfrm>
-            <a:off x="9994702" y="25679400"/>
-            <a:ext cx="9619712" cy="3962400"/>
+            <a:off x="9994702" y="24155400"/>
+            <a:ext cx="9619712" cy="5029200"/>
           </a:xfrm>
           <a:prstGeom prst="rect">
             <a:avLst/>
@@ -5046,7 +5105,7 @@
           </a:ln>
           <a:extLst>
             <a:ext uri="{91240B29-F687-4f45-9708-019B960494DF}">
-              <a14:hiddenLine xmlns="" xmlns:a14="http://schemas.microsoft.com/office/drawing/2010/main" w="9525">
+              <a14:hiddenLine xmlns:a14="http://schemas.microsoft.com/office/drawing/2010/main" xmlns="" w="9525">
                 <a:solidFill>
                   <a:srgbClr val="000000"/>
                 </a:solidFill>
@@ -5084,37 +5143,48 @@
               <a:buChar char="•"/>
             </a:pPr>
             <a:r>
-              <a:rPr lang="en-US" sz="1800" dirty="0">
+              <a:rPr lang="en-US" sz="2000" dirty="0">
                 <a:latin typeface="Georgia" charset="0"/>
               </a:rPr>
-              <a:t>While the tracking performance is decent, our algorithm is still not fast enough to perform real-time tracking</a:t>
-            </a:r>
-          </a:p>
-          <a:p>
-            <a:pPr marL="285750" indent="-285750">
+              <a:t>The current separated signals are not ideal, which makes the estimation of sound magnitude ratio and difference in time-of-arrival difficult. Therefore, we have not been able to robustly estimate the location of the moving agents and run tests</a:t>
+            </a:r>
+          </a:p>
+          <a:p>
+            <a:pPr marL="342900" indent="-342900">
+              <a:spcBef>
+                <a:spcPct val="50000"/>
+              </a:spcBef>
               <a:buFont typeface="Arial" panose="020B0604020202020204" pitchFamily="34" charset="0"/>
               <a:buChar char="•"/>
             </a:pPr>
             <a:r>
-              <a:rPr lang="en-US" sz="1800" dirty="0">
+              <a:rPr lang="en-US" sz="2000" dirty="0">
                 <a:latin typeface="Georgia" charset="0"/>
               </a:rPr>
-              <a:t> Arbitrary M source N input </a:t>
-            </a:r>
-          </a:p>
-          <a:p>
-            <a:pPr marL="285750" indent="-285750">
+              <a:t>We suspect the reason is that we have not modeled the movement of the agents</a:t>
+            </a:r>
+          </a:p>
+          <a:p>
+            <a:pPr marL="342900" indent="-342900">
+              <a:spcBef>
+                <a:spcPct val="50000"/>
+              </a:spcBef>
               <a:buFont typeface="Arial" panose="020B0604020202020204" pitchFamily="34" charset="0"/>
               <a:buChar char="•"/>
             </a:pPr>
             <a:r>
-              <a:rPr lang="en-US" sz="1800" dirty="0">
+              <a:rPr lang="en-US" sz="2000" dirty="0">
                 <a:latin typeface="Georgia" charset="0"/>
               </a:rPr>
-              <a:t> 3D instead of 2D</a:t>
-            </a:r>
-          </a:p>
-          <a:p>
+              <a:t>Make FIR matrices time-dependent and re-evaluate our algorithm</a:t>
+            </a:r>
+          </a:p>
+          <a:p>
+            <a:pPr>
+              <a:spcBef>
+                <a:spcPct val="50000"/>
+              </a:spcBef>
+            </a:pPr>
             <a:endParaRPr lang="en-US" sz="2400" dirty="0"/>
           </a:p>
           <a:p>
@@ -5157,8 +5227,8 @@
         </p:blipFill>
         <p:spPr>
           <a:xfrm>
-            <a:off x="16744950" y="29828588"/>
-            <a:ext cx="2630813" cy="456644"/>
+            <a:off x="15668830" y="29641800"/>
+            <a:ext cx="3706934" cy="643432"/>
           </a:xfrm>
           <a:prstGeom prst="rect">
             <a:avLst/>
@@ -5253,7 +5323,7 @@
         </p:blipFill>
         <p:spPr>
           <a:xfrm>
-            <a:off x="1159209" y="12992810"/>
+            <a:off x="1076500" y="13006920"/>
             <a:ext cx="7563740" cy="4136063"/>
           </a:xfrm>
           <a:prstGeom prst="rect">
@@ -5275,8 +5345,8 @@
         </p:nvSpPr>
         <p:spPr>
           <a:xfrm>
-            <a:off x="2743200" y="17304819"/>
-            <a:ext cx="3944719" cy="369332"/>
+            <a:off x="2739419" y="17336050"/>
+            <a:ext cx="5804828" cy="400110"/>
           </a:xfrm>
           <a:prstGeom prst="rect">
             <a:avLst/>
@@ -5290,7 +5360,7 @@
           <a:lstStyle/>
           <a:p>
             <a:r>
-              <a:rPr lang="en-US" sz="1800" i="1" dirty="0">
+              <a:rPr lang="en-US" sz="2000" i="1" dirty="0">
                 <a:latin typeface="Georgia" charset="0"/>
               </a:rPr>
               <a:t>Figure 2. Overview of our method.</a:t>
@@ -5314,7 +5384,7 @@
         </p:nvSpPr>
         <p:spPr bwMode="auto">
           <a:xfrm>
-            <a:off x="10096500" y="28223027"/>
+            <a:off x="10096500" y="28121837"/>
             <a:ext cx="9182100" cy="861581"/>
           </a:xfrm>
           <a:prstGeom prst="rect">
@@ -5328,7 +5398,7 @@
           </a:ln>
           <a:extLst>
             <a:ext uri="{91240B29-F687-4f45-9708-019B960494DF}">
-              <a14:hiddenLine xmlns="" xmlns:a14="http://schemas.microsoft.com/office/drawing/2010/main" w="9525">
+              <a14:hiddenLine xmlns:a14="http://schemas.microsoft.com/office/drawing/2010/main" xmlns="" w="9525">
                 <a:solidFill>
                   <a:srgbClr val="000000"/>
                 </a:solidFill>
@@ -5388,8 +5458,8 @@
         </p:nvSpPr>
         <p:spPr>
           <a:xfrm>
-            <a:off x="11272568" y="14401800"/>
-            <a:ext cx="6829963" cy="369332"/>
+            <a:off x="11389576" y="23070627"/>
+            <a:ext cx="6829963" cy="400110"/>
           </a:xfrm>
           <a:prstGeom prst="rect">
             <a:avLst/>
@@ -5403,7 +5473,7 @@
           <a:lstStyle/>
           <a:p>
             <a:r>
-              <a:rPr lang="en-US" sz="1800" i="1" dirty="0">
+              <a:rPr lang="en-US" sz="2000" i="1" dirty="0">
                 <a:latin typeface="Georgia" charset="0"/>
               </a:rPr>
               <a:t>Figure 4. Ground truth, mixed and separated signals.</a:t>
@@ -5433,7 +5503,7 @@
         </p:blipFill>
         <p:spPr>
           <a:xfrm>
-            <a:off x="1495425" y="24252572"/>
+            <a:off x="1666072" y="25123582"/>
             <a:ext cx="5369640" cy="3607357"/>
           </a:xfrm>
           <a:prstGeom prst="rect">
@@ -5441,43 +5511,6 @@
           </a:prstGeom>
         </p:spPr>
       </p:pic>
-      <p:sp>
-        <p:nvSpPr>
-          <p:cNvPr id="29" name="TextBox 28">
-            <a:extLst>
-              <a:ext uri="{FF2B5EF4-FFF2-40B4-BE49-F238E27FC236}">
-                <a16:creationId xmlns:a16="http://schemas.microsoft.com/office/drawing/2014/main" id="{ED60B0C2-788C-4701-8DC0-F7F4AF96F9C0}"/>
-              </a:ext>
-            </a:extLst>
-          </p:cNvPr>
-          <p:cNvSpPr txBox="1"/>
-          <p:nvPr/>
-        </p:nvSpPr>
-        <p:spPr>
-          <a:xfrm>
-            <a:off x="11506200" y="18364200"/>
-            <a:ext cx="6829963" cy="369332"/>
-          </a:xfrm>
-          <a:prstGeom prst="rect">
-            <a:avLst/>
-          </a:prstGeom>
-          <a:noFill/>
-        </p:spPr>
-        <p:txBody>
-          <a:bodyPr wrap="square" rtlCol="0">
-            <a:spAutoFit/>
-          </a:bodyPr>
-          <a:lstStyle/>
-          <a:p>
-            <a:r>
-              <a:rPr lang="en-US" sz="1800" i="1" dirty="0">
-                <a:latin typeface="Georgia" charset="0"/>
-              </a:rPr>
-              <a:t>Figure 5. The tracking error overtime.</a:t>
-            </a:r>
-          </a:p>
-        </p:txBody>
-      </p:sp>
       <p:sp>
         <p:nvSpPr>
           <p:cNvPr id="31" name="TextBox 30">
@@ -5492,8 +5525,8 @@
         </p:nvSpPr>
         <p:spPr>
           <a:xfrm>
-            <a:off x="1070000" y="27761362"/>
-            <a:ext cx="7997800" cy="1200329"/>
+            <a:off x="917600" y="29041635"/>
+            <a:ext cx="8150200" cy="1323439"/>
           </a:xfrm>
           <a:prstGeom prst="rect">
             <a:avLst/>
@@ -5507,19 +5540,19 @@
           <a:lstStyle/>
           <a:p>
             <a:r>
-              <a:rPr lang="en-US" sz="1800" i="1" dirty="0">
+              <a:rPr lang="en-US" sz="2000" i="1" dirty="0">
                 <a:latin typeface="Georgia" charset="0"/>
               </a:rPr>
               <a:t>Figure 3. Localization of an agent. The difference in time-of-arrival is r1-r2, while the magnitude ratio is r1/r2, which together gives the value of r1 and r2. With the locations of the mics known, the </a:t>
             </a:r>
             <a:r>
-              <a:rPr lang="en-US" sz="1800" i="1" dirty="0" err="1">
+              <a:rPr lang="en-US" sz="2000" i="1" dirty="0" err="1">
                 <a:latin typeface="Georgia" charset="0"/>
               </a:rPr>
               <a:t>x,y</a:t>
             </a:r>
             <a:r>
-              <a:rPr lang="en-US" sz="1800" i="1" dirty="0">
+              <a:rPr lang="en-US" sz="2000" i="1" dirty="0">
                 <a:latin typeface="Georgia" charset="0"/>
               </a:rPr>
               <a:t> positions can be triangulated. </a:t>
@@ -5549,14 +5582,758 @@
         </p:blipFill>
         <p:spPr>
           <a:xfrm>
-            <a:off x="10580862" y="6579109"/>
-            <a:ext cx="7343775" cy="1762125"/>
+            <a:off x="10716834" y="9099943"/>
+            <a:ext cx="7963138" cy="1910740"/>
           </a:xfrm>
           <a:prstGeom prst="rect">
             <a:avLst/>
           </a:prstGeom>
         </p:spPr>
       </p:pic>
+      <p:pic>
+        <p:nvPicPr>
+          <p:cNvPr id="2" name="Picture 1">
+            <a:extLst>
+              <a:ext uri="{FF2B5EF4-FFF2-40B4-BE49-F238E27FC236}">
+                <a16:creationId xmlns:a16="http://schemas.microsoft.com/office/drawing/2014/main" id="{2408094B-7626-4F1B-B6BB-656A4649C002}"/>
+              </a:ext>
+            </a:extLst>
+          </p:cNvPr>
+          <p:cNvPicPr>
+            <a:picLocks noChangeAspect="1"/>
+          </p:cNvPicPr>
+          <p:nvPr/>
+        </p:nvPicPr>
+        <p:blipFill>
+          <a:blip r:embed="rId7"/>
+          <a:stretch>
+            <a:fillRect/>
+          </a:stretch>
+        </p:blipFill>
+        <p:spPr>
+          <a:xfrm>
+            <a:off x="1509032" y="21934456"/>
+            <a:ext cx="1676400" cy="714375"/>
+          </a:xfrm>
+          <a:prstGeom prst="rect">
+            <a:avLst/>
+          </a:prstGeom>
+        </p:spPr>
+      </p:pic>
+      <p:pic>
+        <p:nvPicPr>
+          <p:cNvPr id="6" name="Picture 5">
+            <a:extLst>
+              <a:ext uri="{FF2B5EF4-FFF2-40B4-BE49-F238E27FC236}">
+                <a16:creationId xmlns:a16="http://schemas.microsoft.com/office/drawing/2014/main" id="{04AA1FF3-1911-43C1-BEB9-FCE6D88FE3D5}"/>
+              </a:ext>
+            </a:extLst>
+          </p:cNvPr>
+          <p:cNvPicPr>
+            <a:picLocks noChangeAspect="1"/>
+          </p:cNvPicPr>
+          <p:nvPr/>
+        </p:nvPicPr>
+        <p:blipFill>
+          <a:blip r:embed="rId8"/>
+          <a:stretch>
+            <a:fillRect/>
+          </a:stretch>
+        </p:blipFill>
+        <p:spPr>
+          <a:xfrm>
+            <a:off x="1509032" y="22648831"/>
+            <a:ext cx="4848225" cy="552450"/>
+          </a:xfrm>
+          <a:prstGeom prst="rect">
+            <a:avLst/>
+          </a:prstGeom>
+        </p:spPr>
+      </p:pic>
+      <p:pic>
+        <p:nvPicPr>
+          <p:cNvPr id="11" name="Picture 10" descr="A screenshot of a cell phone&#10;&#10;Description automatically generated">
+            <a:extLst>
+              <a:ext uri="{FF2B5EF4-FFF2-40B4-BE49-F238E27FC236}">
+                <a16:creationId xmlns:a16="http://schemas.microsoft.com/office/drawing/2014/main" id="{BB16B6A4-38B5-41A5-807F-EA23CB00104D}"/>
+              </a:ext>
+            </a:extLst>
+          </p:cNvPr>
+          <p:cNvPicPr>
+            <a:picLocks noChangeAspect="1"/>
+          </p:cNvPicPr>
+          <p:nvPr/>
+        </p:nvPicPr>
+        <p:blipFill>
+          <a:blip r:embed="rId9"/>
+          <a:stretch>
+            <a:fillRect/>
+          </a:stretch>
+        </p:blipFill>
+        <p:spPr>
+          <a:xfrm>
+            <a:off x="10022048" y="12416676"/>
+            <a:ext cx="3518095" cy="2638571"/>
+          </a:xfrm>
+          <a:prstGeom prst="rect">
+            <a:avLst/>
+          </a:prstGeom>
+        </p:spPr>
+      </p:pic>
+      <p:pic>
+        <p:nvPicPr>
+          <p:cNvPr id="13" name="Picture 12" descr="A screenshot of a cell phone&#10;&#10;Description automatically generated">
+            <a:extLst>
+              <a:ext uri="{FF2B5EF4-FFF2-40B4-BE49-F238E27FC236}">
+                <a16:creationId xmlns:a16="http://schemas.microsoft.com/office/drawing/2014/main" id="{7A1A25C3-ACF8-449C-A420-2ABEFFFDC195}"/>
+              </a:ext>
+            </a:extLst>
+          </p:cNvPr>
+          <p:cNvPicPr>
+            <a:picLocks noChangeAspect="1"/>
+          </p:cNvPicPr>
+          <p:nvPr/>
+        </p:nvPicPr>
+        <p:blipFill>
+          <a:blip r:embed="rId10"/>
+          <a:stretch>
+            <a:fillRect/>
+          </a:stretch>
+        </p:blipFill>
+        <p:spPr>
+          <a:xfrm>
+            <a:off x="10058400" y="14977120"/>
+            <a:ext cx="3518093" cy="2638570"/>
+          </a:xfrm>
+          <a:prstGeom prst="rect">
+            <a:avLst/>
+          </a:prstGeom>
+        </p:spPr>
+      </p:pic>
+      <p:pic>
+        <p:nvPicPr>
+          <p:cNvPr id="22" name="Picture 21" descr="A screenshot of a cell phone&#10;&#10;Description automatically generated">
+            <a:extLst>
+              <a:ext uri="{FF2B5EF4-FFF2-40B4-BE49-F238E27FC236}">
+                <a16:creationId xmlns:a16="http://schemas.microsoft.com/office/drawing/2014/main" id="{83D7B2BF-9E77-4625-A055-281495FAA1AF}"/>
+              </a:ext>
+            </a:extLst>
+          </p:cNvPr>
+          <p:cNvPicPr>
+            <a:picLocks noChangeAspect="1"/>
+          </p:cNvPicPr>
+          <p:nvPr/>
+        </p:nvPicPr>
+        <p:blipFill>
+          <a:blip r:embed="rId11"/>
+          <a:stretch>
+            <a:fillRect/>
+          </a:stretch>
+        </p:blipFill>
+        <p:spPr>
+          <a:xfrm>
+            <a:off x="10102903" y="19584867"/>
+            <a:ext cx="4038081" cy="3028560"/>
+          </a:xfrm>
+          <a:prstGeom prst="rect">
+            <a:avLst/>
+          </a:prstGeom>
+        </p:spPr>
+      </p:pic>
+      <p:pic>
+        <p:nvPicPr>
+          <p:cNvPr id="24" name="Picture 23" descr="A screenshot of a cell phone&#10;&#10;Description automatically generated">
+            <a:extLst>
+              <a:ext uri="{FF2B5EF4-FFF2-40B4-BE49-F238E27FC236}">
+                <a16:creationId xmlns:a16="http://schemas.microsoft.com/office/drawing/2014/main" id="{FD1C0DA0-BEF2-4BCE-90A0-F10BB69B1196}"/>
+              </a:ext>
+            </a:extLst>
+          </p:cNvPr>
+          <p:cNvPicPr>
+            <a:picLocks noChangeAspect="1"/>
+          </p:cNvPicPr>
+          <p:nvPr/>
+        </p:nvPicPr>
+        <p:blipFill>
+          <a:blip r:embed="rId12"/>
+          <a:stretch>
+            <a:fillRect/>
+          </a:stretch>
+        </p:blipFill>
+        <p:spPr>
+          <a:xfrm>
+            <a:off x="14660282" y="19582706"/>
+            <a:ext cx="4236415" cy="3177312"/>
+          </a:xfrm>
+          <a:prstGeom prst="rect">
+            <a:avLst/>
+          </a:prstGeom>
+        </p:spPr>
+      </p:pic>
+      <p:pic>
+        <p:nvPicPr>
+          <p:cNvPr id="30" name="Picture 29" descr="A screenshot of a cell phone&#10;&#10;Description automatically generated">
+            <a:extLst>
+              <a:ext uri="{FF2B5EF4-FFF2-40B4-BE49-F238E27FC236}">
+                <a16:creationId xmlns:a16="http://schemas.microsoft.com/office/drawing/2014/main" id="{14375C89-CC60-41C3-8822-DD424B7228EB}"/>
+              </a:ext>
+            </a:extLst>
+          </p:cNvPr>
+          <p:cNvPicPr>
+            <a:picLocks noChangeAspect="1"/>
+          </p:cNvPicPr>
+          <p:nvPr/>
+        </p:nvPicPr>
+        <p:blipFill>
+          <a:blip r:embed="rId13"/>
+          <a:stretch>
+            <a:fillRect/>
+          </a:stretch>
+        </p:blipFill>
+        <p:spPr>
+          <a:xfrm>
+            <a:off x="14978094" y="14954342"/>
+            <a:ext cx="3530595" cy="2647946"/>
+          </a:xfrm>
+          <a:prstGeom prst="rect">
+            <a:avLst/>
+          </a:prstGeom>
+        </p:spPr>
+      </p:pic>
+      <p:pic>
+        <p:nvPicPr>
+          <p:cNvPr id="14339" name="Picture 14338" descr="A screenshot of a cell phone&#10;&#10;Description automatically generated">
+            <a:extLst>
+              <a:ext uri="{FF2B5EF4-FFF2-40B4-BE49-F238E27FC236}">
+                <a16:creationId xmlns:a16="http://schemas.microsoft.com/office/drawing/2014/main" id="{EF84141C-2A25-4AEE-875E-041E15E57A6C}"/>
+              </a:ext>
+            </a:extLst>
+          </p:cNvPr>
+          <p:cNvPicPr>
+            <a:picLocks noChangeAspect="1"/>
+          </p:cNvPicPr>
+          <p:nvPr/>
+        </p:nvPicPr>
+        <p:blipFill>
+          <a:blip r:embed="rId14"/>
+          <a:stretch>
+            <a:fillRect/>
+          </a:stretch>
+        </p:blipFill>
+        <p:spPr>
+          <a:xfrm>
+            <a:off x="14921951" y="12419342"/>
+            <a:ext cx="3557676" cy="2668257"/>
+          </a:xfrm>
+          <a:prstGeom prst="rect">
+            <a:avLst/>
+          </a:prstGeom>
+        </p:spPr>
+      </p:pic>
+      <p:sp>
+        <p:nvSpPr>
+          <p:cNvPr id="14340" name="Arrow: Right 14339">
+            <a:extLst>
+              <a:ext uri="{FF2B5EF4-FFF2-40B4-BE49-F238E27FC236}">
+                <a16:creationId xmlns:a16="http://schemas.microsoft.com/office/drawing/2014/main" id="{3125EB7F-D895-4026-8708-1CB9E9176B42}"/>
+              </a:ext>
+            </a:extLst>
+          </p:cNvPr>
+          <p:cNvSpPr/>
+          <p:nvPr/>
+        </p:nvSpPr>
+        <p:spPr>
+          <a:xfrm>
+            <a:off x="13799666" y="14738336"/>
+            <a:ext cx="887884" cy="316911"/>
+          </a:xfrm>
+          <a:prstGeom prst="rightArrow">
+            <a:avLst/>
+          </a:prstGeom>
+        </p:spPr>
+        <p:style>
+          <a:lnRef idx="1">
+            <a:schemeClr val="accent1"/>
+          </a:lnRef>
+          <a:fillRef idx="3">
+            <a:schemeClr val="accent1"/>
+          </a:fillRef>
+          <a:effectRef idx="2">
+            <a:schemeClr val="accent1"/>
+          </a:effectRef>
+          <a:fontRef idx="minor">
+            <a:schemeClr val="lt1"/>
+          </a:fontRef>
+        </p:style>
+        <p:txBody>
+          <a:bodyPr rtlCol="0" anchor="ctr"/>
+          <a:lstStyle/>
+          <a:p>
+            <a:pPr algn="ctr"/>
+            <a:endParaRPr lang="en-US"/>
+          </a:p>
+        </p:txBody>
+      </p:sp>
+      <p:sp>
+        <p:nvSpPr>
+          <p:cNvPr id="46" name="Arrow: Right 45">
+            <a:extLst>
+              <a:ext uri="{FF2B5EF4-FFF2-40B4-BE49-F238E27FC236}">
+                <a16:creationId xmlns:a16="http://schemas.microsoft.com/office/drawing/2014/main" id="{8F35FA50-3B80-4683-91B0-EBDF58AE47E7}"/>
+              </a:ext>
+            </a:extLst>
+          </p:cNvPr>
+          <p:cNvSpPr/>
+          <p:nvPr/>
+        </p:nvSpPr>
+        <p:spPr>
+          <a:xfrm rot="19671579" flipH="1">
+            <a:off x="13685255" y="18922586"/>
+            <a:ext cx="1160584" cy="363261"/>
+          </a:xfrm>
+          <a:prstGeom prst="rightArrow">
+            <a:avLst/>
+          </a:prstGeom>
+        </p:spPr>
+        <p:style>
+          <a:lnRef idx="1">
+            <a:schemeClr val="accent1"/>
+          </a:lnRef>
+          <a:fillRef idx="3">
+            <a:schemeClr val="accent1"/>
+          </a:fillRef>
+          <a:effectRef idx="2">
+            <a:schemeClr val="accent1"/>
+          </a:effectRef>
+          <a:fontRef idx="minor">
+            <a:schemeClr val="lt1"/>
+          </a:fontRef>
+        </p:style>
+        <p:txBody>
+          <a:bodyPr rtlCol="0" anchor="ctr"/>
+          <a:lstStyle/>
+          <a:p>
+            <a:pPr algn="ctr"/>
+            <a:endParaRPr lang="en-US"/>
+          </a:p>
+        </p:txBody>
+      </p:sp>
+      <p:sp>
+        <p:nvSpPr>
+          <p:cNvPr id="14344" name="TextBox 14343">
+            <a:extLst>
+              <a:ext uri="{FF2B5EF4-FFF2-40B4-BE49-F238E27FC236}">
+                <a16:creationId xmlns:a16="http://schemas.microsoft.com/office/drawing/2014/main" id="{42534166-A2AA-472C-91B9-33D10C339A61}"/>
+              </a:ext>
+            </a:extLst>
+          </p:cNvPr>
+          <p:cNvSpPr txBox="1"/>
+          <p:nvPr/>
+        </p:nvSpPr>
+        <p:spPr>
+          <a:xfrm>
+            <a:off x="13545015" y="14314273"/>
+            <a:ext cx="2246059" cy="461665"/>
+          </a:xfrm>
+          <a:prstGeom prst="rect">
+            <a:avLst/>
+          </a:prstGeom>
+          <a:noFill/>
+        </p:spPr>
+        <p:txBody>
+          <a:bodyPr wrap="square" rtlCol="0">
+            <a:spAutoFit/>
+          </a:bodyPr>
+          <a:lstStyle/>
+          <a:p>
+            <a:r>
+              <a:rPr lang="en-US" sz="2400" dirty="0"/>
+              <a:t>simulate</a:t>
+            </a:r>
+          </a:p>
+        </p:txBody>
+      </p:sp>
+      <p:sp>
+        <p:nvSpPr>
+          <p:cNvPr id="48" name="TextBox 47">
+            <a:extLst>
+              <a:ext uri="{FF2B5EF4-FFF2-40B4-BE49-F238E27FC236}">
+                <a16:creationId xmlns:a16="http://schemas.microsoft.com/office/drawing/2014/main" id="{0E835820-C137-47E1-90B2-C2F6C8654E85}"/>
+              </a:ext>
+            </a:extLst>
+          </p:cNvPr>
+          <p:cNvSpPr txBox="1"/>
+          <p:nvPr/>
+        </p:nvSpPr>
+        <p:spPr>
+          <a:xfrm>
+            <a:off x="10698033" y="17520716"/>
+            <a:ext cx="2246059" cy="461665"/>
+          </a:xfrm>
+          <a:prstGeom prst="rect">
+            <a:avLst/>
+          </a:prstGeom>
+          <a:noFill/>
+        </p:spPr>
+        <p:txBody>
+          <a:bodyPr wrap="square" rtlCol="0">
+            <a:spAutoFit/>
+          </a:bodyPr>
+          <a:lstStyle/>
+          <a:p>
+            <a:r>
+              <a:rPr lang="en-US" sz="2400" dirty="0"/>
+              <a:t>source audio</a:t>
+            </a:r>
+          </a:p>
+        </p:txBody>
+      </p:sp>
+      <p:sp>
+        <p:nvSpPr>
+          <p:cNvPr id="49" name="TextBox 48">
+            <a:extLst>
+              <a:ext uri="{FF2B5EF4-FFF2-40B4-BE49-F238E27FC236}">
+                <a16:creationId xmlns:a16="http://schemas.microsoft.com/office/drawing/2014/main" id="{BEB4D886-216D-498E-B6F1-33396ADF6F4B}"/>
+              </a:ext>
+            </a:extLst>
+          </p:cNvPr>
+          <p:cNvSpPr txBox="1"/>
+          <p:nvPr/>
+        </p:nvSpPr>
+        <p:spPr>
+          <a:xfrm>
+            <a:off x="15653555" y="17597823"/>
+            <a:ext cx="2246059" cy="461665"/>
+          </a:xfrm>
+          <a:prstGeom prst="rect">
+            <a:avLst/>
+          </a:prstGeom>
+          <a:noFill/>
+        </p:spPr>
+        <p:txBody>
+          <a:bodyPr wrap="square" rtlCol="0">
+            <a:spAutoFit/>
+          </a:bodyPr>
+          <a:lstStyle/>
+          <a:p>
+            <a:r>
+              <a:rPr lang="en-US" sz="2400" dirty="0"/>
+              <a:t>input at 2 mics</a:t>
+            </a:r>
+          </a:p>
+        </p:txBody>
+      </p:sp>
+      <p:sp>
+        <p:nvSpPr>
+          <p:cNvPr id="50" name="TextBox 49">
+            <a:extLst>
+              <a:ext uri="{FF2B5EF4-FFF2-40B4-BE49-F238E27FC236}">
+                <a16:creationId xmlns:a16="http://schemas.microsoft.com/office/drawing/2014/main" id="{A3FC8E9A-E231-47BC-AA63-1636ACB56300}"/>
+              </a:ext>
+            </a:extLst>
+          </p:cNvPr>
+          <p:cNvSpPr txBox="1"/>
+          <p:nvPr/>
+        </p:nvSpPr>
+        <p:spPr>
+          <a:xfrm>
+            <a:off x="13588929" y="18119766"/>
+            <a:ext cx="2246059" cy="461665"/>
+          </a:xfrm>
+          <a:prstGeom prst="rect">
+            <a:avLst/>
+          </a:prstGeom>
+          <a:noFill/>
+        </p:spPr>
+        <p:txBody>
+          <a:bodyPr wrap="square" rtlCol="0">
+            <a:spAutoFit/>
+          </a:bodyPr>
+          <a:lstStyle/>
+          <a:p>
+            <a:r>
+              <a:rPr lang="en-US" sz="2400" dirty="0"/>
+              <a:t>separate</a:t>
+            </a:r>
+          </a:p>
+        </p:txBody>
+      </p:sp>
+      <p:sp>
+        <p:nvSpPr>
+          <p:cNvPr id="14345" name="TextBox 14344">
+            <a:extLst>
+              <a:ext uri="{FF2B5EF4-FFF2-40B4-BE49-F238E27FC236}">
+                <a16:creationId xmlns:a16="http://schemas.microsoft.com/office/drawing/2014/main" id="{FA5016A5-606D-485F-9C09-D6BDACDC8B83}"/>
+              </a:ext>
+            </a:extLst>
+          </p:cNvPr>
+          <p:cNvSpPr txBox="1"/>
+          <p:nvPr/>
+        </p:nvSpPr>
+        <p:spPr>
+          <a:xfrm>
+            <a:off x="10947494" y="12221472"/>
+            <a:ext cx="1747135" cy="369332"/>
+          </a:xfrm>
+          <a:prstGeom prst="rect">
+            <a:avLst/>
+          </a:prstGeom>
+          <a:solidFill>
+            <a:schemeClr val="bg1"/>
+          </a:solidFill>
+          <a:ln>
+            <a:solidFill>
+              <a:schemeClr val="bg1"/>
+            </a:solidFill>
+          </a:ln>
+        </p:spPr>
+        <p:txBody>
+          <a:bodyPr wrap="square" rtlCol="0">
+            <a:spAutoFit/>
+          </a:bodyPr>
+          <a:lstStyle/>
+          <a:p>
+            <a:r>
+              <a:rPr lang="en-US" sz="1800" dirty="0">
+                <a:solidFill>
+                  <a:schemeClr val="bg1"/>
+                </a:solidFill>
+              </a:rPr>
+              <a:t>dd</a:t>
+            </a:r>
+          </a:p>
+        </p:txBody>
+      </p:sp>
+      <p:sp>
+        <p:nvSpPr>
+          <p:cNvPr id="52" name="TextBox 51">
+            <a:extLst>
+              <a:ext uri="{FF2B5EF4-FFF2-40B4-BE49-F238E27FC236}">
+                <a16:creationId xmlns:a16="http://schemas.microsoft.com/office/drawing/2014/main" id="{274D1EB4-1DC2-4863-B7BF-563FD6D3F440}"/>
+              </a:ext>
+            </a:extLst>
+          </p:cNvPr>
+          <p:cNvSpPr txBox="1"/>
+          <p:nvPr/>
+        </p:nvSpPr>
+        <p:spPr>
+          <a:xfrm>
+            <a:off x="15621096" y="12232010"/>
+            <a:ext cx="1747135" cy="369332"/>
+          </a:xfrm>
+          <a:prstGeom prst="rect">
+            <a:avLst/>
+          </a:prstGeom>
+          <a:solidFill>
+            <a:schemeClr val="bg1"/>
+          </a:solidFill>
+          <a:ln>
+            <a:solidFill>
+              <a:schemeClr val="bg1"/>
+            </a:solidFill>
+          </a:ln>
+        </p:spPr>
+        <p:txBody>
+          <a:bodyPr wrap="square" rtlCol="0">
+            <a:spAutoFit/>
+          </a:bodyPr>
+          <a:lstStyle/>
+          <a:p>
+            <a:r>
+              <a:rPr lang="en-US" sz="1800" dirty="0">
+                <a:solidFill>
+                  <a:schemeClr val="bg1"/>
+                </a:solidFill>
+              </a:rPr>
+              <a:t>dd</a:t>
+            </a:r>
+          </a:p>
+        </p:txBody>
+      </p:sp>
+      <p:sp>
+        <p:nvSpPr>
+          <p:cNvPr id="53" name="TextBox 52">
+            <a:extLst>
+              <a:ext uri="{FF2B5EF4-FFF2-40B4-BE49-F238E27FC236}">
+                <a16:creationId xmlns:a16="http://schemas.microsoft.com/office/drawing/2014/main" id="{CFEDDC0F-5C18-40F3-B030-F320AF2C859C}"/>
+              </a:ext>
+            </a:extLst>
+          </p:cNvPr>
+          <p:cNvSpPr txBox="1"/>
+          <p:nvPr/>
+        </p:nvSpPr>
+        <p:spPr>
+          <a:xfrm>
+            <a:off x="10947494" y="14940394"/>
+            <a:ext cx="1747135" cy="215444"/>
+          </a:xfrm>
+          <a:prstGeom prst="rect">
+            <a:avLst/>
+          </a:prstGeom>
+          <a:solidFill>
+            <a:schemeClr val="bg1"/>
+          </a:solidFill>
+          <a:ln>
+            <a:solidFill>
+              <a:schemeClr val="bg1"/>
+            </a:solidFill>
+          </a:ln>
+        </p:spPr>
+        <p:txBody>
+          <a:bodyPr wrap="square" rtlCol="0">
+            <a:spAutoFit/>
+          </a:bodyPr>
+          <a:lstStyle/>
+          <a:p>
+            <a:r>
+              <a:rPr lang="en-US" sz="800" dirty="0">
+                <a:solidFill>
+                  <a:schemeClr val="bg1"/>
+                </a:solidFill>
+              </a:rPr>
+              <a:t>dd</a:t>
+            </a:r>
+          </a:p>
+        </p:txBody>
+      </p:sp>
+      <p:sp>
+        <p:nvSpPr>
+          <p:cNvPr id="55" name="TextBox 54">
+            <a:extLst>
+              <a:ext uri="{FF2B5EF4-FFF2-40B4-BE49-F238E27FC236}">
+                <a16:creationId xmlns:a16="http://schemas.microsoft.com/office/drawing/2014/main" id="{6B3EF80B-4F3B-445F-B631-E6EA489EA62F}"/>
+              </a:ext>
+            </a:extLst>
+          </p:cNvPr>
+          <p:cNvSpPr txBox="1"/>
+          <p:nvPr/>
+        </p:nvSpPr>
+        <p:spPr>
+          <a:xfrm>
+            <a:off x="16033008" y="14916711"/>
+            <a:ext cx="1747135" cy="215444"/>
+          </a:xfrm>
+          <a:prstGeom prst="rect">
+            <a:avLst/>
+          </a:prstGeom>
+          <a:solidFill>
+            <a:schemeClr val="bg1"/>
+          </a:solidFill>
+          <a:ln>
+            <a:solidFill>
+              <a:schemeClr val="bg1"/>
+            </a:solidFill>
+          </a:ln>
+        </p:spPr>
+        <p:txBody>
+          <a:bodyPr wrap="square" rtlCol="0">
+            <a:spAutoFit/>
+          </a:bodyPr>
+          <a:lstStyle/>
+          <a:p>
+            <a:r>
+              <a:rPr lang="en-US" sz="800" dirty="0">
+                <a:solidFill>
+                  <a:schemeClr val="bg1"/>
+                </a:solidFill>
+              </a:rPr>
+              <a:t>dd</a:t>
+            </a:r>
+          </a:p>
+        </p:txBody>
+      </p:sp>
+      <p:sp>
+        <p:nvSpPr>
+          <p:cNvPr id="56" name="TextBox 55">
+            <a:extLst>
+              <a:ext uri="{FF2B5EF4-FFF2-40B4-BE49-F238E27FC236}">
+                <a16:creationId xmlns:a16="http://schemas.microsoft.com/office/drawing/2014/main" id="{FE3B2B3B-6A3E-464D-9091-F436023E0F2E}"/>
+              </a:ext>
+            </a:extLst>
+          </p:cNvPr>
+          <p:cNvSpPr txBox="1"/>
+          <p:nvPr/>
+        </p:nvSpPr>
+        <p:spPr>
+          <a:xfrm>
+            <a:off x="11277600" y="19584867"/>
+            <a:ext cx="1747135" cy="215444"/>
+          </a:xfrm>
+          <a:prstGeom prst="rect">
+            <a:avLst/>
+          </a:prstGeom>
+          <a:solidFill>
+            <a:schemeClr val="bg1"/>
+          </a:solidFill>
+          <a:ln>
+            <a:solidFill>
+              <a:schemeClr val="bg1"/>
+            </a:solidFill>
+          </a:ln>
+        </p:spPr>
+        <p:txBody>
+          <a:bodyPr wrap="square" rtlCol="0">
+            <a:spAutoFit/>
+          </a:bodyPr>
+          <a:lstStyle/>
+          <a:p>
+            <a:r>
+              <a:rPr lang="en-US" sz="800" dirty="0">
+                <a:solidFill>
+                  <a:schemeClr val="bg1"/>
+                </a:solidFill>
+              </a:rPr>
+              <a:t>dd</a:t>
+            </a:r>
+          </a:p>
+        </p:txBody>
+      </p:sp>
+      <p:sp>
+        <p:nvSpPr>
+          <p:cNvPr id="57" name="TextBox 56">
+            <a:extLst>
+              <a:ext uri="{FF2B5EF4-FFF2-40B4-BE49-F238E27FC236}">
+                <a16:creationId xmlns:a16="http://schemas.microsoft.com/office/drawing/2014/main" id="{732DECD0-7A39-435B-A9F6-7C5019DC01DA}"/>
+              </a:ext>
+            </a:extLst>
+          </p:cNvPr>
+          <p:cNvSpPr txBox="1"/>
+          <p:nvPr/>
+        </p:nvSpPr>
+        <p:spPr>
+          <a:xfrm>
+            <a:off x="16066345" y="19588858"/>
+            <a:ext cx="1747135" cy="215444"/>
+          </a:xfrm>
+          <a:prstGeom prst="rect">
+            <a:avLst/>
+          </a:prstGeom>
+          <a:solidFill>
+            <a:schemeClr val="bg1"/>
+          </a:solidFill>
+          <a:ln>
+            <a:solidFill>
+              <a:schemeClr val="bg1"/>
+            </a:solidFill>
+          </a:ln>
+        </p:spPr>
+        <p:txBody>
+          <a:bodyPr wrap="square" rtlCol="0">
+            <a:spAutoFit/>
+          </a:bodyPr>
+          <a:lstStyle/>
+          <a:p>
+            <a:r>
+              <a:rPr lang="en-US" sz="800" dirty="0">
+                <a:solidFill>
+                  <a:schemeClr val="bg1"/>
+                </a:solidFill>
+              </a:rPr>
+              <a:t>dd</a:t>
+            </a:r>
+          </a:p>
+        </p:txBody>
+      </p:sp>
     </p:spTree>
   </p:cSld>
   <p:clrMapOvr>
